--- a/teaching/concurrency/02_JMM.pptx
+++ b/teaching/concurrency/02_JMM.pptx
@@ -5,7 +5,7 @@
     <p:sldMasterId id="2147483648" r:id="rId1"/>
   </p:sldMasterIdLst>
   <p:notesMasterIdLst>
-    <p:notesMasterId r:id="rId31"/>
+    <p:notesMasterId r:id="rId32"/>
   </p:notesMasterIdLst>
   <p:sldIdLst>
     <p:sldId id="256" r:id="rId2"/>
@@ -32,11 +32,12 @@
     <p:sldId id="285" r:id="rId23"/>
     <p:sldId id="304" r:id="rId24"/>
     <p:sldId id="311" r:id="rId25"/>
-    <p:sldId id="307" r:id="rId26"/>
-    <p:sldId id="308" r:id="rId27"/>
-    <p:sldId id="305" r:id="rId28"/>
-    <p:sldId id="309" r:id="rId29"/>
-    <p:sldId id="316" r:id="rId30"/>
+    <p:sldId id="317" r:id="rId26"/>
+    <p:sldId id="307" r:id="rId27"/>
+    <p:sldId id="308" r:id="rId28"/>
+    <p:sldId id="305" r:id="rId29"/>
+    <p:sldId id="309" r:id="rId30"/>
+    <p:sldId id="316" r:id="rId31"/>
   </p:sldIdLst>
   <p:sldSz cx="9144000" cy="6858000" type="screen4x3"/>
   <p:notesSz cx="6858000" cy="9144000"/>
@@ -236,7 +237,7 @@
           <a:p>
             <a:fld id="{68263D90-69D1-4F54-8F30-811BEBD6B565}" type="datetimeFigureOut">
               <a:rPr lang="zh-CN" altLang="en-US" smtClean="0"/>
-              <a:t>2021/9/7</a:t>
+              <a:t>2022/9/12</a:t>
             </a:fld>
             <a:endParaRPr lang="zh-CN" altLang="en-US"/>
           </a:p>
@@ -675,6 +676,90 @@
 </p:notes>
 </file>
 
+<file path=ppt/notesSlides/notesSlide3.xml><?xml version="1.0" encoding="utf-8"?>
+<p:notes xmlns:a="http://schemas.openxmlformats.org/drawingml/2006/main" xmlns:r="http://schemas.openxmlformats.org/officeDocument/2006/relationships" xmlns:p="http://schemas.openxmlformats.org/presentationml/2006/main">
+  <p:cSld>
+    <p:spTree>
+      <p:nvGrpSpPr>
+        <p:cNvPr id="1" name=""/>
+        <p:cNvGrpSpPr/>
+        <p:nvPr/>
+      </p:nvGrpSpPr>
+      <p:grpSpPr>
+        <a:xfrm>
+          <a:off x="0" y="0"/>
+          <a:ext cx="0" cy="0"/>
+          <a:chOff x="0" y="0"/>
+          <a:chExt cx="0" cy="0"/>
+        </a:xfrm>
+      </p:grpSpPr>
+      <p:sp>
+        <p:nvSpPr>
+          <p:cNvPr id="2" name="幻灯片图像占位符 1"/>
+          <p:cNvSpPr>
+            <a:spLocks noGrp="1" noRot="1" noChangeAspect="1"/>
+          </p:cNvSpPr>
+          <p:nvPr>
+            <p:ph type="sldImg"/>
+          </p:nvPr>
+        </p:nvSpPr>
+        <p:spPr/>
+      </p:sp>
+      <p:sp>
+        <p:nvSpPr>
+          <p:cNvPr id="3" name="备注占位符 2"/>
+          <p:cNvSpPr>
+            <a:spLocks noGrp="1"/>
+          </p:cNvSpPr>
+          <p:nvPr>
+            <p:ph type="body" idx="1"/>
+          </p:nvPr>
+        </p:nvSpPr>
+        <p:spPr/>
+        <p:txBody>
+          <a:bodyPr/>
+          <a:lstStyle/>
+          <a:p>
+            <a:endParaRPr lang="zh-CN" altLang="en-US" dirty="0"/>
+          </a:p>
+        </p:txBody>
+      </p:sp>
+      <p:sp>
+        <p:nvSpPr>
+          <p:cNvPr id="4" name="灯片编号占位符 3"/>
+          <p:cNvSpPr>
+            <a:spLocks noGrp="1"/>
+          </p:cNvSpPr>
+          <p:nvPr>
+            <p:ph type="sldNum" sz="quarter" idx="5"/>
+          </p:nvPr>
+        </p:nvSpPr>
+        <p:spPr/>
+        <p:txBody>
+          <a:bodyPr/>
+          <a:lstStyle/>
+          <a:p>
+            <a:fld id="{56D482B8-FD38-4D5E-AF8F-E5C6DDF2A2A5}" type="slidenum">
+              <a:rPr lang="zh-CN" altLang="en-US" smtClean="0"/>
+              <a:t>25</a:t>
+            </a:fld>
+            <a:endParaRPr lang="zh-CN" altLang="en-US"/>
+          </a:p>
+        </p:txBody>
+      </p:sp>
+    </p:spTree>
+    <p:extLst>
+      <p:ext uri="{BB962C8B-B14F-4D97-AF65-F5344CB8AC3E}">
+        <p14:creationId xmlns:p14="http://schemas.microsoft.com/office/powerpoint/2010/main" val="3852123334"/>
+      </p:ext>
+    </p:extLst>
+  </p:cSld>
+  <p:clrMapOvr>
+    <a:masterClrMapping/>
+  </p:clrMapOvr>
+</p:notes>
+</file>
+
 <file path=ppt/slideLayouts/slideLayout1.xml><?xml version="1.0" encoding="utf-8"?>
 <p:sldLayout xmlns:a="http://schemas.openxmlformats.org/drawingml/2006/main" xmlns:r="http://schemas.openxmlformats.org/officeDocument/2006/relationships" xmlns:p="http://schemas.openxmlformats.org/presentationml/2006/main" type="title" preserve="1">
   <p:cSld name="标题幻灯片">
@@ -854,7 +939,7 @@
           <a:p>
             <a:fld id="{F9C9B80D-5565-4EBF-92C3-A8C16DCF8437}" type="datetime1">
               <a:rPr lang="zh-CN" altLang="en-US" smtClean="0"/>
-              <a:t>2021/9/7</a:t>
+              <a:t>2022/9/12</a:t>
             </a:fld>
             <a:endParaRPr lang="zh-CN" altLang="en-US"/>
           </a:p>
@@ -1022,7 +1107,7 @@
           <a:p>
             <a:fld id="{60312F9C-B6A5-46BE-A4B5-CB5F43608ED3}" type="datetime1">
               <a:rPr lang="zh-CN" altLang="en-US" smtClean="0"/>
-              <a:t>2021/9/7</a:t>
+              <a:t>2022/9/12</a:t>
             </a:fld>
             <a:endParaRPr lang="zh-CN" altLang="en-US"/>
           </a:p>
@@ -1200,7 +1285,7 @@
           <a:p>
             <a:fld id="{21813BDC-8C3E-4096-A68B-03A8488F79CA}" type="datetime1">
               <a:rPr lang="zh-CN" altLang="en-US" smtClean="0"/>
-              <a:t>2021/9/7</a:t>
+              <a:t>2022/9/12</a:t>
             </a:fld>
             <a:endParaRPr lang="zh-CN" altLang="en-US"/>
           </a:p>
@@ -1368,7 +1453,7 @@
           <a:p>
             <a:fld id="{6382F207-B6CC-45A3-A0F7-60ECF262A058}" type="datetime1">
               <a:rPr lang="zh-CN" altLang="en-US" smtClean="0"/>
-              <a:t>2021/9/7</a:t>
+              <a:t>2022/9/12</a:t>
             </a:fld>
             <a:endParaRPr lang="zh-CN" altLang="en-US"/>
           </a:p>
@@ -1613,7 +1698,7 @@
           <a:p>
             <a:fld id="{4A38BAAF-6B8B-45DC-B158-2D6C6676B568}" type="datetime1">
               <a:rPr lang="zh-CN" altLang="en-US" smtClean="0"/>
-              <a:t>2021/9/7</a:t>
+              <a:t>2022/9/12</a:t>
             </a:fld>
             <a:endParaRPr lang="zh-CN" altLang="en-US"/>
           </a:p>
@@ -1898,7 +1983,7 @@
           <a:p>
             <a:fld id="{5FFB8D60-2932-496B-8DCB-B3C69C5C2C2B}" type="datetime1">
               <a:rPr lang="zh-CN" altLang="en-US" smtClean="0"/>
-              <a:t>2021/9/7</a:t>
+              <a:t>2022/9/12</a:t>
             </a:fld>
             <a:endParaRPr lang="zh-CN" altLang="en-US"/>
           </a:p>
@@ -2317,7 +2402,7 @@
           <a:p>
             <a:fld id="{D16708B8-D69B-48CF-A050-3F98B862A421}" type="datetime1">
               <a:rPr lang="zh-CN" altLang="en-US" smtClean="0"/>
-              <a:t>2021/9/7</a:t>
+              <a:t>2022/9/12</a:t>
             </a:fld>
             <a:endParaRPr lang="zh-CN" altLang="en-US"/>
           </a:p>
@@ -2434,7 +2519,7 @@
           <a:p>
             <a:fld id="{BB799C16-0BE4-4E28-8158-25BA4FF766AA}" type="datetime1">
               <a:rPr lang="zh-CN" altLang="en-US" smtClean="0"/>
-              <a:t>2021/9/7</a:t>
+              <a:t>2022/9/12</a:t>
             </a:fld>
             <a:endParaRPr lang="zh-CN" altLang="en-US"/>
           </a:p>
@@ -2529,7 +2614,7 @@
           <a:p>
             <a:fld id="{61F311A0-161C-474F-82B9-1AFF2D409E1A}" type="datetime1">
               <a:rPr lang="zh-CN" altLang="en-US" smtClean="0"/>
-              <a:t>2021/9/7</a:t>
+              <a:t>2022/9/12</a:t>
             </a:fld>
             <a:endParaRPr lang="zh-CN" altLang="en-US"/>
           </a:p>
@@ -2804,7 +2889,7 @@
           <a:p>
             <a:fld id="{4ECAE1EA-8BF5-43BD-AEED-9F3EEE73981B}" type="datetime1">
               <a:rPr lang="zh-CN" altLang="en-US" smtClean="0"/>
-              <a:t>2021/9/7</a:t>
+              <a:t>2022/9/12</a:t>
             </a:fld>
             <a:endParaRPr lang="zh-CN" altLang="en-US"/>
           </a:p>
@@ -3056,7 +3141,7 @@
           <a:p>
             <a:fld id="{43ACC578-A0F7-4FAE-973D-5A1313106D48}" type="datetime1">
               <a:rPr lang="zh-CN" altLang="en-US" smtClean="0"/>
-              <a:t>2021/9/7</a:t>
+              <a:t>2022/9/12</a:t>
             </a:fld>
             <a:endParaRPr lang="zh-CN" altLang="en-US"/>
           </a:p>
@@ -3267,7 +3352,7 @@
           <a:p>
             <a:fld id="{3D215AA8-3702-4547-9918-B7A10C3D2DBB}" type="datetime1">
               <a:rPr lang="zh-CN" altLang="en-US" smtClean="0"/>
-              <a:t>2021/9/7</a:t>
+              <a:t>2022/9/12</a:t>
             </a:fld>
             <a:endParaRPr lang="zh-CN" altLang="en-US"/>
           </a:p>
@@ -3732,13 +3817,13 @@
         </p:nvSpPr>
         <p:spPr>
           <a:xfrm>
-            <a:off x="457200" y="1600201"/>
-            <a:ext cx="8229600" cy="4205064"/>
+            <a:off x="457200" y="1495835"/>
+            <a:ext cx="8229600" cy="4387626"/>
           </a:xfrm>
         </p:spPr>
         <p:txBody>
           <a:bodyPr>
-            <a:normAutofit fontScale="92500" lnSpcReduction="10000"/>
+            <a:normAutofit fontScale="92500" lnSpcReduction="20000"/>
           </a:bodyPr>
           <a:lstStyle/>
           <a:p>
@@ -3769,6 +3854,13 @@
             <a:r>
               <a:rPr lang="en-US" altLang="zh-CN" dirty="0"/>
               <a:t>Allow common optimization techniques</a:t>
+            </a:r>
+          </a:p>
+          <a:p>
+            <a:pPr lvl="1"/>
+            <a:r>
+              <a:rPr lang="en-US" altLang="zh-CN" dirty="0"/>
+              <a:t>Allow standard compilation schemes to major modern architectures</a:t>
             </a:r>
           </a:p>
           <a:p>
@@ -3829,7 +3921,7 @@
         </p:nvSpPr>
         <p:spPr>
           <a:xfrm>
-            <a:off x="755576" y="5733256"/>
+            <a:off x="827584" y="5883461"/>
             <a:ext cx="7488832" cy="523220"/>
           </a:xfrm>
           <a:prstGeom prst="rect">
@@ -6405,7 +6497,7 @@
           </p:nvSpPr>
           <p:spPr>
             <a:xfrm>
-              <a:off x="3962124" y="4293096"/>
+              <a:off x="3779912" y="4293096"/>
               <a:ext cx="718824" cy="461665"/>
             </a:xfrm>
             <a:prstGeom prst="rect">
@@ -8680,7 +8772,7 @@
         </p:nvSpPr>
         <p:spPr>
           <a:xfrm>
-            <a:off x="3962124" y="4293096"/>
+            <a:off x="3779912" y="4293096"/>
             <a:ext cx="718824" cy="461665"/>
           </a:xfrm>
           <a:prstGeom prst="rect">
@@ -11313,7 +11405,7 @@
         </p:nvSpPr>
         <p:spPr>
           <a:xfrm>
-            <a:off x="3962124" y="4293096"/>
+            <a:off x="3779912" y="4293096"/>
             <a:ext cx="718824" cy="461665"/>
           </a:xfrm>
           <a:prstGeom prst="rect">
@@ -18866,7 +18958,7 @@
         <p:spPr>
           <a:xfrm>
             <a:off x="357732" y="1363360"/>
-            <a:ext cx="1994970" cy="461665"/>
+            <a:ext cx="2546403" cy="461665"/>
           </a:xfrm>
           <a:prstGeom prst="rect">
             <a:avLst/>
@@ -18886,7 +18978,7 @@
           <a:p>
             <a:r>
               <a:rPr lang="en-US" altLang="zh-CN" sz="2400" dirty="0"/>
-              <a:t>Load buffering</a:t>
+              <a:t>Load buffering (LB)</a:t>
             </a:r>
             <a:endParaRPr lang="zh-CN" altLang="en-US" sz="2400" dirty="0"/>
           </a:p>
@@ -18963,6 +19055,672 @@
           <p:cNvPr id="2" name="标题 1">
             <a:extLst>
               <a:ext uri="{FF2B5EF4-FFF2-40B4-BE49-F238E27FC236}">
+                <a16:creationId xmlns:a16="http://schemas.microsoft.com/office/drawing/2014/main" id="{5800202D-BCCF-4EAC-9F66-C03848FFDA72}"/>
+              </a:ext>
+            </a:extLst>
+          </p:cNvPr>
+          <p:cNvSpPr>
+            <a:spLocks noGrp="1"/>
+          </p:cNvSpPr>
+          <p:nvPr>
+            <p:ph type="title"/>
+          </p:nvPr>
+        </p:nvSpPr>
+        <p:spPr/>
+        <p:txBody>
+          <a:bodyPr/>
+          <a:lstStyle/>
+          <a:p>
+            <a:r>
+              <a:rPr lang="en-US" altLang="zh-CN" dirty="0"/>
+              <a:t>More Examples (2)</a:t>
+            </a:r>
+            <a:endParaRPr lang="zh-CN" altLang="en-US" dirty="0"/>
+          </a:p>
+        </p:txBody>
+      </p:sp>
+      <p:sp>
+        <p:nvSpPr>
+          <p:cNvPr id="3" name="灯片编号占位符 2">
+            <a:extLst>
+              <a:ext uri="{FF2B5EF4-FFF2-40B4-BE49-F238E27FC236}">
+                <a16:creationId xmlns:a16="http://schemas.microsoft.com/office/drawing/2014/main" id="{73C247DE-7A1E-4927-AE2D-C696AC8E4BE4}"/>
+              </a:ext>
+            </a:extLst>
+          </p:cNvPr>
+          <p:cNvSpPr>
+            <a:spLocks noGrp="1"/>
+          </p:cNvSpPr>
+          <p:nvPr>
+            <p:ph type="sldNum" sz="quarter" idx="12"/>
+          </p:nvPr>
+        </p:nvSpPr>
+        <p:spPr/>
+        <p:txBody>
+          <a:bodyPr/>
+          <a:lstStyle/>
+          <a:p>
+            <a:fld id="{87C04413-18D8-412A-9316-35F3054E094E}" type="slidenum">
+              <a:rPr lang="zh-CN" altLang="en-US" smtClean="0"/>
+              <a:t>25</a:t>
+            </a:fld>
+            <a:endParaRPr lang="zh-CN" altLang="en-US"/>
+          </a:p>
+        </p:txBody>
+      </p:sp>
+      <p:sp>
+        <p:nvSpPr>
+          <p:cNvPr id="10" name="TextBox 9">
+            <a:extLst>
+              <a:ext uri="{FF2B5EF4-FFF2-40B4-BE49-F238E27FC236}">
+                <a16:creationId xmlns:a16="http://schemas.microsoft.com/office/drawing/2014/main" id="{9EB39977-5ACE-4159-A95C-79C1D719B9A6}"/>
+              </a:ext>
+            </a:extLst>
+          </p:cNvPr>
+          <p:cNvSpPr txBox="1"/>
+          <p:nvPr/>
+        </p:nvSpPr>
+        <p:spPr>
+          <a:xfrm>
+            <a:off x="2470458" y="4569103"/>
+            <a:ext cx="4349792" cy="523220"/>
+          </a:xfrm>
+          <a:prstGeom prst="rect">
+            <a:avLst/>
+          </a:prstGeom>
+          <a:noFill/>
+        </p:spPr>
+        <p:txBody>
+          <a:bodyPr wrap="square" rtlCol="0">
+            <a:spAutoFit/>
+          </a:bodyPr>
+          <a:lstStyle/>
+          <a:p>
+            <a:r>
+              <a:rPr lang="en-US" altLang="zh-CN" sz="2800" b="1" i="1" dirty="0">
+                <a:solidFill>
+                  <a:srgbClr val="C00000"/>
+                </a:solidFill>
+              </a:rPr>
+              <a:t>r1 = 1, r2 = 0, r3 = 1, r4 = 0?</a:t>
+            </a:r>
+            <a:endParaRPr lang="zh-CN" altLang="en-US" sz="2800" b="1" i="1" dirty="0">
+              <a:solidFill>
+                <a:srgbClr val="C00000"/>
+              </a:solidFill>
+            </a:endParaRPr>
+          </a:p>
+        </p:txBody>
+      </p:sp>
+      <p:sp>
+        <p:nvSpPr>
+          <p:cNvPr id="20" name="TextBox 10">
+            <a:extLst>
+              <a:ext uri="{FF2B5EF4-FFF2-40B4-BE49-F238E27FC236}">
+                <a16:creationId xmlns:a16="http://schemas.microsoft.com/office/drawing/2014/main" id="{FDC18B97-DB86-4EFD-B658-5C69EED10F8A}"/>
+              </a:ext>
+            </a:extLst>
+          </p:cNvPr>
+          <p:cNvSpPr txBox="1"/>
+          <p:nvPr/>
+        </p:nvSpPr>
+        <p:spPr>
+          <a:xfrm>
+            <a:off x="1085983" y="2289802"/>
+            <a:ext cx="3692850" cy="523220"/>
+          </a:xfrm>
+          <a:prstGeom prst="rect">
+            <a:avLst/>
+          </a:prstGeom>
+          <a:noFill/>
+        </p:spPr>
+        <p:txBody>
+          <a:bodyPr wrap="square" rtlCol="0">
+            <a:spAutoFit/>
+          </a:bodyPr>
+          <a:lstStyle/>
+          <a:p>
+            <a:r>
+              <a:rPr lang="en-US" altLang="zh-CN" sz="2800" b="1" dirty="0"/>
+              <a:t>Initially:  x = y</a:t>
+            </a:r>
+            <a:r>
+              <a:rPr lang="zh-CN" altLang="en-US" sz="2800" b="1" dirty="0"/>
+              <a:t> </a:t>
+            </a:r>
+            <a:r>
+              <a:rPr lang="en-US" altLang="zh-CN" sz="2800" b="1" dirty="0"/>
+              <a:t>=</a:t>
+            </a:r>
+            <a:r>
+              <a:rPr lang="zh-CN" altLang="en-US" sz="2800" b="1" dirty="0"/>
+              <a:t> </a:t>
+            </a:r>
+            <a:r>
+              <a:rPr lang="en-US" altLang="zh-CN" sz="2800" b="1" dirty="0"/>
+              <a:t>0</a:t>
+            </a:r>
+            <a:endParaRPr lang="zh-CN" altLang="en-US" sz="2800" b="1" dirty="0"/>
+          </a:p>
+        </p:txBody>
+      </p:sp>
+      <p:sp>
+        <p:nvSpPr>
+          <p:cNvPr id="22" name="文本框 21">
+            <a:extLst>
+              <a:ext uri="{FF2B5EF4-FFF2-40B4-BE49-F238E27FC236}">
+                <a16:creationId xmlns:a16="http://schemas.microsoft.com/office/drawing/2014/main" id="{A815C68F-92F1-483B-A38C-461684B28136}"/>
+              </a:ext>
+            </a:extLst>
+          </p:cNvPr>
+          <p:cNvSpPr txBox="1"/>
+          <p:nvPr/>
+        </p:nvSpPr>
+        <p:spPr>
+          <a:xfrm>
+            <a:off x="357732" y="1363360"/>
+            <a:ext cx="6237285" cy="461665"/>
+          </a:xfrm>
+          <a:prstGeom prst="rect">
+            <a:avLst/>
+          </a:prstGeom>
+          <a:solidFill>
+            <a:schemeClr val="accent6">
+              <a:lumMod val="20000"/>
+              <a:lumOff val="80000"/>
+            </a:schemeClr>
+          </a:solidFill>
+        </p:spPr>
+        <p:txBody>
+          <a:bodyPr wrap="none" rtlCol="0">
+            <a:spAutoFit/>
+          </a:bodyPr>
+          <a:lstStyle/>
+          <a:p>
+            <a:r>
+              <a:rPr lang="en-US" altLang="zh-CN" sz="2400" dirty="0"/>
+              <a:t>Independent reads of independent writes (IRIW)</a:t>
+            </a:r>
+            <a:endParaRPr lang="zh-CN" altLang="en-US" sz="2400" dirty="0"/>
+          </a:p>
+        </p:txBody>
+      </p:sp>
+      <p:sp>
+        <p:nvSpPr>
+          <p:cNvPr id="16" name="TextBox 4">
+            <a:extLst>
+              <a:ext uri="{FF2B5EF4-FFF2-40B4-BE49-F238E27FC236}">
+                <a16:creationId xmlns:a16="http://schemas.microsoft.com/office/drawing/2014/main" id="{49056E3C-C6C3-476B-8E7D-053C26FC4E35}"/>
+              </a:ext>
+            </a:extLst>
+          </p:cNvPr>
+          <p:cNvSpPr txBox="1"/>
+          <p:nvPr/>
+        </p:nvSpPr>
+        <p:spPr>
+          <a:xfrm>
+            <a:off x="1729355" y="3237757"/>
+            <a:ext cx="1133194" cy="523220"/>
+          </a:xfrm>
+          <a:prstGeom prst="rect">
+            <a:avLst/>
+          </a:prstGeom>
+          <a:noFill/>
+        </p:spPr>
+        <p:txBody>
+          <a:bodyPr wrap="square" rtlCol="0">
+            <a:spAutoFit/>
+          </a:bodyPr>
+          <a:lstStyle/>
+          <a:p>
+            <a:r>
+              <a:rPr lang="en-US" altLang="zh-CN" sz="2800" b="1" dirty="0"/>
+              <a:t>x = 1;</a:t>
+            </a:r>
+            <a:endParaRPr lang="zh-CN" altLang="en-US" sz="2800" b="1" dirty="0"/>
+          </a:p>
+        </p:txBody>
+      </p:sp>
+      <p:grpSp>
+        <p:nvGrpSpPr>
+          <p:cNvPr id="17" name="组合 16">
+            <a:extLst>
+              <a:ext uri="{FF2B5EF4-FFF2-40B4-BE49-F238E27FC236}">
+                <a16:creationId xmlns:a16="http://schemas.microsoft.com/office/drawing/2014/main" id="{6BE484C1-B260-4B1A-B155-553362CB251E}"/>
+              </a:ext>
+            </a:extLst>
+          </p:cNvPr>
+          <p:cNvGrpSpPr/>
+          <p:nvPr/>
+        </p:nvGrpSpPr>
+        <p:grpSpPr>
+          <a:xfrm>
+            <a:off x="2987824" y="3057843"/>
+            <a:ext cx="72008" cy="961222"/>
+            <a:chOff x="2987824" y="3057843"/>
+            <a:chExt cx="72008" cy="961222"/>
+          </a:xfrm>
+        </p:grpSpPr>
+        <p:cxnSp>
+          <p:nvCxnSpPr>
+            <p:cNvPr id="18" name="直接连接符 17">
+              <a:extLst>
+                <a:ext uri="{FF2B5EF4-FFF2-40B4-BE49-F238E27FC236}">
+                  <a16:creationId xmlns:a16="http://schemas.microsoft.com/office/drawing/2014/main" id="{53C1CBC8-8060-41CD-85E9-2BCB63964E06}"/>
+                </a:ext>
+              </a:extLst>
+            </p:cNvPr>
+            <p:cNvCxnSpPr/>
+            <p:nvPr/>
+          </p:nvCxnSpPr>
+          <p:spPr>
+            <a:xfrm>
+              <a:off x="2987824" y="3064958"/>
+              <a:ext cx="0" cy="954107"/>
+            </a:xfrm>
+            <a:prstGeom prst="line">
+              <a:avLst/>
+            </a:prstGeom>
+            <a:ln w="25400"/>
+          </p:spPr>
+          <p:style>
+            <a:lnRef idx="1">
+              <a:schemeClr val="accent1"/>
+            </a:lnRef>
+            <a:fillRef idx="0">
+              <a:schemeClr val="accent1"/>
+            </a:fillRef>
+            <a:effectRef idx="0">
+              <a:schemeClr val="accent1"/>
+            </a:effectRef>
+            <a:fontRef idx="minor">
+              <a:schemeClr val="tx1"/>
+            </a:fontRef>
+          </p:style>
+        </p:cxnSp>
+        <p:cxnSp>
+          <p:nvCxnSpPr>
+            <p:cNvPr id="19" name="直接连接符 18">
+              <a:extLst>
+                <a:ext uri="{FF2B5EF4-FFF2-40B4-BE49-F238E27FC236}">
+                  <a16:creationId xmlns:a16="http://schemas.microsoft.com/office/drawing/2014/main" id="{11588632-B470-4C66-8061-969079962F6B}"/>
+                </a:ext>
+              </a:extLst>
+            </p:cNvPr>
+            <p:cNvCxnSpPr/>
+            <p:nvPr/>
+          </p:nvCxnSpPr>
+          <p:spPr>
+            <a:xfrm>
+              <a:off x="3059832" y="3057843"/>
+              <a:ext cx="0" cy="954107"/>
+            </a:xfrm>
+            <a:prstGeom prst="line">
+              <a:avLst/>
+            </a:prstGeom>
+            <a:ln w="25400"/>
+          </p:spPr>
+          <p:style>
+            <a:lnRef idx="1">
+              <a:schemeClr val="accent1"/>
+            </a:lnRef>
+            <a:fillRef idx="0">
+              <a:schemeClr val="accent1"/>
+            </a:fillRef>
+            <a:effectRef idx="0">
+              <a:schemeClr val="accent1"/>
+            </a:effectRef>
+            <a:fontRef idx="minor">
+              <a:schemeClr val="tx1"/>
+            </a:fontRef>
+          </p:style>
+        </p:cxnSp>
+      </p:grpSp>
+      <p:sp>
+        <p:nvSpPr>
+          <p:cNvPr id="21" name="TextBox 4">
+            <a:extLst>
+              <a:ext uri="{FF2B5EF4-FFF2-40B4-BE49-F238E27FC236}">
+                <a16:creationId xmlns:a16="http://schemas.microsoft.com/office/drawing/2014/main" id="{ACE0FC9E-4ACD-4CEE-9D20-2868200D80DF}"/>
+              </a:ext>
+            </a:extLst>
+          </p:cNvPr>
+          <p:cNvSpPr txBox="1"/>
+          <p:nvPr/>
+        </p:nvSpPr>
+        <p:spPr>
+          <a:xfrm>
+            <a:off x="3310383" y="3034342"/>
+            <a:ext cx="1133194" cy="954107"/>
+          </a:xfrm>
+          <a:prstGeom prst="rect">
+            <a:avLst/>
+          </a:prstGeom>
+          <a:noFill/>
+        </p:spPr>
+        <p:txBody>
+          <a:bodyPr wrap="square" rtlCol="0">
+            <a:spAutoFit/>
+          </a:bodyPr>
+          <a:lstStyle/>
+          <a:p>
+            <a:r>
+              <a:rPr lang="en-US" altLang="zh-CN" sz="2800" b="1" dirty="0"/>
+              <a:t>r1 = x;</a:t>
+            </a:r>
+          </a:p>
+          <a:p>
+            <a:r>
+              <a:rPr lang="en-US" altLang="zh-CN" sz="2800" b="1" dirty="0"/>
+              <a:t>r2 = y;</a:t>
+            </a:r>
+            <a:endParaRPr lang="zh-CN" altLang="en-US" sz="2800" b="1" dirty="0"/>
+          </a:p>
+        </p:txBody>
+      </p:sp>
+      <p:grpSp>
+        <p:nvGrpSpPr>
+          <p:cNvPr id="23" name="组合 22">
+            <a:extLst>
+              <a:ext uri="{FF2B5EF4-FFF2-40B4-BE49-F238E27FC236}">
+                <a16:creationId xmlns:a16="http://schemas.microsoft.com/office/drawing/2014/main" id="{C72575AE-6761-4680-B21B-8E8F3967FA19}"/>
+              </a:ext>
+            </a:extLst>
+          </p:cNvPr>
+          <p:cNvGrpSpPr/>
+          <p:nvPr/>
+        </p:nvGrpSpPr>
+        <p:grpSpPr>
+          <a:xfrm>
+            <a:off x="4694127" y="3077538"/>
+            <a:ext cx="72008" cy="961222"/>
+            <a:chOff x="2987824" y="3057843"/>
+            <a:chExt cx="72008" cy="961222"/>
+          </a:xfrm>
+        </p:grpSpPr>
+        <p:cxnSp>
+          <p:nvCxnSpPr>
+            <p:cNvPr id="24" name="直接连接符 23">
+              <a:extLst>
+                <a:ext uri="{FF2B5EF4-FFF2-40B4-BE49-F238E27FC236}">
+                  <a16:creationId xmlns:a16="http://schemas.microsoft.com/office/drawing/2014/main" id="{206F1532-1FDA-4DE1-92FB-6A0F6C56E3DF}"/>
+                </a:ext>
+              </a:extLst>
+            </p:cNvPr>
+            <p:cNvCxnSpPr/>
+            <p:nvPr/>
+          </p:nvCxnSpPr>
+          <p:spPr>
+            <a:xfrm>
+              <a:off x="2987824" y="3064958"/>
+              <a:ext cx="0" cy="954107"/>
+            </a:xfrm>
+            <a:prstGeom prst="line">
+              <a:avLst/>
+            </a:prstGeom>
+            <a:ln w="25400"/>
+          </p:spPr>
+          <p:style>
+            <a:lnRef idx="1">
+              <a:schemeClr val="accent1"/>
+            </a:lnRef>
+            <a:fillRef idx="0">
+              <a:schemeClr val="accent1"/>
+            </a:fillRef>
+            <a:effectRef idx="0">
+              <a:schemeClr val="accent1"/>
+            </a:effectRef>
+            <a:fontRef idx="minor">
+              <a:schemeClr val="tx1"/>
+            </a:fontRef>
+          </p:style>
+        </p:cxnSp>
+        <p:cxnSp>
+          <p:nvCxnSpPr>
+            <p:cNvPr id="25" name="直接连接符 24">
+              <a:extLst>
+                <a:ext uri="{FF2B5EF4-FFF2-40B4-BE49-F238E27FC236}">
+                  <a16:creationId xmlns:a16="http://schemas.microsoft.com/office/drawing/2014/main" id="{DF34FC07-4D77-41D8-8DE1-1E28DD51EFAF}"/>
+                </a:ext>
+              </a:extLst>
+            </p:cNvPr>
+            <p:cNvCxnSpPr/>
+            <p:nvPr/>
+          </p:nvCxnSpPr>
+          <p:spPr>
+            <a:xfrm>
+              <a:off x="3059832" y="3057843"/>
+              <a:ext cx="0" cy="954107"/>
+            </a:xfrm>
+            <a:prstGeom prst="line">
+              <a:avLst/>
+            </a:prstGeom>
+            <a:ln w="25400"/>
+          </p:spPr>
+          <p:style>
+            <a:lnRef idx="1">
+              <a:schemeClr val="accent1"/>
+            </a:lnRef>
+            <a:fillRef idx="0">
+              <a:schemeClr val="accent1"/>
+            </a:fillRef>
+            <a:effectRef idx="0">
+              <a:schemeClr val="accent1"/>
+            </a:effectRef>
+            <a:fontRef idx="minor">
+              <a:schemeClr val="tx1"/>
+            </a:fontRef>
+          </p:style>
+        </p:cxnSp>
+      </p:grpSp>
+      <p:sp>
+        <p:nvSpPr>
+          <p:cNvPr id="26" name="TextBox 4">
+            <a:extLst>
+              <a:ext uri="{FF2B5EF4-FFF2-40B4-BE49-F238E27FC236}">
+                <a16:creationId xmlns:a16="http://schemas.microsoft.com/office/drawing/2014/main" id="{285970E9-FBB0-4BF5-B705-4137C4F8BADB}"/>
+              </a:ext>
+            </a:extLst>
+          </p:cNvPr>
+          <p:cNvSpPr txBox="1"/>
+          <p:nvPr/>
+        </p:nvSpPr>
+        <p:spPr>
+          <a:xfrm>
+            <a:off x="5083829" y="3057843"/>
+            <a:ext cx="1133194" cy="954107"/>
+          </a:xfrm>
+          <a:prstGeom prst="rect">
+            <a:avLst/>
+          </a:prstGeom>
+          <a:noFill/>
+        </p:spPr>
+        <p:txBody>
+          <a:bodyPr wrap="square" rtlCol="0">
+            <a:spAutoFit/>
+          </a:bodyPr>
+          <a:lstStyle/>
+          <a:p>
+            <a:r>
+              <a:rPr lang="en-US" altLang="zh-CN" sz="2800" b="1" dirty="0"/>
+              <a:t>r3 = y;</a:t>
+            </a:r>
+          </a:p>
+          <a:p>
+            <a:r>
+              <a:rPr lang="en-US" altLang="zh-CN" sz="2800" b="1" dirty="0"/>
+              <a:t>r4 = x;</a:t>
+            </a:r>
+            <a:endParaRPr lang="zh-CN" altLang="en-US" sz="2800" b="1" dirty="0"/>
+          </a:p>
+        </p:txBody>
+      </p:sp>
+      <p:grpSp>
+        <p:nvGrpSpPr>
+          <p:cNvPr id="27" name="组合 26">
+            <a:extLst>
+              <a:ext uri="{FF2B5EF4-FFF2-40B4-BE49-F238E27FC236}">
+                <a16:creationId xmlns:a16="http://schemas.microsoft.com/office/drawing/2014/main" id="{A7E2885A-1224-482A-97C7-1A82D6BA99B3}"/>
+              </a:ext>
+            </a:extLst>
+          </p:cNvPr>
+          <p:cNvGrpSpPr/>
+          <p:nvPr/>
+        </p:nvGrpSpPr>
+        <p:grpSpPr>
+          <a:xfrm>
+            <a:off x="6467573" y="3101039"/>
+            <a:ext cx="72008" cy="961222"/>
+            <a:chOff x="2987824" y="3057843"/>
+            <a:chExt cx="72008" cy="961222"/>
+          </a:xfrm>
+        </p:grpSpPr>
+        <p:cxnSp>
+          <p:nvCxnSpPr>
+            <p:cNvPr id="28" name="直接连接符 27">
+              <a:extLst>
+                <a:ext uri="{FF2B5EF4-FFF2-40B4-BE49-F238E27FC236}">
+                  <a16:creationId xmlns:a16="http://schemas.microsoft.com/office/drawing/2014/main" id="{DCADE4BB-AF1D-47C7-99AF-44BBB908AD02}"/>
+                </a:ext>
+              </a:extLst>
+            </p:cNvPr>
+            <p:cNvCxnSpPr/>
+            <p:nvPr/>
+          </p:nvCxnSpPr>
+          <p:spPr>
+            <a:xfrm>
+              <a:off x="2987824" y="3064958"/>
+              <a:ext cx="0" cy="954107"/>
+            </a:xfrm>
+            <a:prstGeom prst="line">
+              <a:avLst/>
+            </a:prstGeom>
+            <a:ln w="25400"/>
+          </p:spPr>
+          <p:style>
+            <a:lnRef idx="1">
+              <a:schemeClr val="accent1"/>
+            </a:lnRef>
+            <a:fillRef idx="0">
+              <a:schemeClr val="accent1"/>
+            </a:fillRef>
+            <a:effectRef idx="0">
+              <a:schemeClr val="accent1"/>
+            </a:effectRef>
+            <a:fontRef idx="minor">
+              <a:schemeClr val="tx1"/>
+            </a:fontRef>
+          </p:style>
+        </p:cxnSp>
+        <p:cxnSp>
+          <p:nvCxnSpPr>
+            <p:cNvPr id="29" name="直接连接符 28">
+              <a:extLst>
+                <a:ext uri="{FF2B5EF4-FFF2-40B4-BE49-F238E27FC236}">
+                  <a16:creationId xmlns:a16="http://schemas.microsoft.com/office/drawing/2014/main" id="{C0CCB7A7-4B57-47D5-9377-45009C79D379}"/>
+                </a:ext>
+              </a:extLst>
+            </p:cNvPr>
+            <p:cNvCxnSpPr/>
+            <p:nvPr/>
+          </p:nvCxnSpPr>
+          <p:spPr>
+            <a:xfrm>
+              <a:off x="3059832" y="3057843"/>
+              <a:ext cx="0" cy="954107"/>
+            </a:xfrm>
+            <a:prstGeom prst="line">
+              <a:avLst/>
+            </a:prstGeom>
+            <a:ln w="25400"/>
+          </p:spPr>
+          <p:style>
+            <a:lnRef idx="1">
+              <a:schemeClr val="accent1"/>
+            </a:lnRef>
+            <a:fillRef idx="0">
+              <a:schemeClr val="accent1"/>
+            </a:fillRef>
+            <a:effectRef idx="0">
+              <a:schemeClr val="accent1"/>
+            </a:effectRef>
+            <a:fontRef idx="minor">
+              <a:schemeClr val="tx1"/>
+            </a:fontRef>
+          </p:style>
+        </p:cxnSp>
+      </p:grpSp>
+      <p:sp>
+        <p:nvSpPr>
+          <p:cNvPr id="30" name="TextBox 4">
+            <a:extLst>
+              <a:ext uri="{FF2B5EF4-FFF2-40B4-BE49-F238E27FC236}">
+                <a16:creationId xmlns:a16="http://schemas.microsoft.com/office/drawing/2014/main" id="{F4911669-514D-4424-9CF8-D2821359BA62}"/>
+              </a:ext>
+            </a:extLst>
+          </p:cNvPr>
+          <p:cNvSpPr txBox="1"/>
+          <p:nvPr/>
+        </p:nvSpPr>
+        <p:spPr>
+          <a:xfrm>
+            <a:off x="6819722" y="3249785"/>
+            <a:ext cx="1133194" cy="523220"/>
+          </a:xfrm>
+          <a:prstGeom prst="rect">
+            <a:avLst/>
+          </a:prstGeom>
+          <a:noFill/>
+        </p:spPr>
+        <p:txBody>
+          <a:bodyPr wrap="square" rtlCol="0">
+            <a:spAutoFit/>
+          </a:bodyPr>
+          <a:lstStyle/>
+          <a:p>
+            <a:r>
+              <a:rPr lang="en-US" altLang="zh-CN" sz="2800" b="1" dirty="0"/>
+              <a:t>y = 1;</a:t>
+            </a:r>
+            <a:endParaRPr lang="zh-CN" altLang="en-US" sz="2800" b="1" dirty="0"/>
+          </a:p>
+        </p:txBody>
+      </p:sp>
+    </p:spTree>
+    <p:extLst>
+      <p:ext uri="{BB962C8B-B14F-4D97-AF65-F5344CB8AC3E}">
+        <p14:creationId xmlns:p14="http://schemas.microsoft.com/office/powerpoint/2010/main" val="2889507238"/>
+      </p:ext>
+    </p:extLst>
+  </p:cSld>
+  <p:clrMapOvr>
+    <a:masterClrMapping/>
+  </p:clrMapOvr>
+</p:sld>
+</file>
+
+<file path=ppt/slides/slide26.xml><?xml version="1.0" encoding="utf-8"?>
+<p:sld xmlns:a="http://schemas.openxmlformats.org/drawingml/2006/main" xmlns:r="http://schemas.openxmlformats.org/officeDocument/2006/relationships" xmlns:p="http://schemas.openxmlformats.org/presentationml/2006/main">
+  <p:cSld>
+    <p:spTree>
+      <p:nvGrpSpPr>
+        <p:cNvPr id="1" name=""/>
+        <p:cNvGrpSpPr/>
+        <p:nvPr/>
+      </p:nvGrpSpPr>
+      <p:grpSpPr>
+        <a:xfrm>
+          <a:off x="0" y="0"/>
+          <a:ext cx="0" cy="0"/>
+          <a:chOff x="0" y="0"/>
+          <a:chExt cx="0" cy="0"/>
+        </a:xfrm>
+      </p:grpSpPr>
+      <p:sp>
+        <p:nvSpPr>
+          <p:cNvPr id="2" name="标题 1">
+            <a:extLst>
+              <a:ext uri="{FF2B5EF4-FFF2-40B4-BE49-F238E27FC236}">
                 <a16:creationId xmlns:a16="http://schemas.microsoft.com/office/drawing/2014/main" id="{8700720A-CBA7-48BA-9BB9-3C65922A7768}"/>
               </a:ext>
             </a:extLst>
@@ -18981,7 +19739,7 @@
           <a:p>
             <a:r>
               <a:rPr lang="en-US" altLang="zh-CN" dirty="0"/>
-              <a:t>More Examples (2)</a:t>
+              <a:t>More Examples (3)</a:t>
             </a:r>
             <a:endParaRPr lang="zh-CN" altLang="en-US" dirty="0"/>
           </a:p>
@@ -19010,7 +19768,7 @@
           <a:p>
             <a:fld id="{87C04413-18D8-412A-9316-35F3054E094E}" type="slidenum">
               <a:rPr lang="zh-CN" altLang="en-US" smtClean="0"/>
-              <a:t>25</a:t>
+              <a:t>26</a:t>
             </a:fld>
             <a:endParaRPr lang="zh-CN" altLang="en-US"/>
           </a:p>
@@ -19624,794 +20382,6 @@
     <p:extLst>
       <p:ext uri="{BB962C8B-B14F-4D97-AF65-F5344CB8AC3E}">
         <p14:creationId xmlns:p14="http://schemas.microsoft.com/office/powerpoint/2010/main" val="2994413847"/>
-      </p:ext>
-    </p:extLst>
-  </p:cSld>
-  <p:clrMapOvr>
-    <a:masterClrMapping/>
-  </p:clrMapOvr>
-  <p:timing>
-    <p:tnLst>
-      <p:par>
-        <p:cTn id="1" dur="indefinite" restart="never" nodeType="tmRoot">
-          <p:childTnLst>
-            <p:seq concurrent="1" nextAc="seek">
-              <p:cTn id="2" dur="indefinite" nodeType="mainSeq">
-                <p:childTnLst>
-                  <p:par>
-                    <p:cTn id="3" fill="hold">
-                      <p:stCondLst>
-                        <p:cond delay="indefinite"/>
-                      </p:stCondLst>
-                      <p:childTnLst>
-                        <p:par>
-                          <p:cTn id="4" fill="hold">
-                            <p:stCondLst>
-                              <p:cond delay="0"/>
-                            </p:stCondLst>
-                            <p:childTnLst>
-                              <p:par>
-                                <p:cTn id="5" presetID="1" presetClass="entr" presetSubtype="0" fill="hold" grpId="0" nodeType="clickEffect">
-                                  <p:stCondLst>
-                                    <p:cond delay="0"/>
-                                  </p:stCondLst>
-                                  <p:childTnLst>
-                                    <p:set>
-                                      <p:cBhvr>
-                                        <p:cTn id="6" dur="1" fill="hold">
-                                          <p:stCondLst>
-                                            <p:cond delay="0"/>
-                                          </p:stCondLst>
-                                        </p:cTn>
-                                        <p:tgtEl>
-                                          <p:spTgt spid="11"/>
-                                        </p:tgtEl>
-                                        <p:attrNameLst>
-                                          <p:attrName>style.visibility</p:attrName>
-                                        </p:attrNameLst>
-                                      </p:cBhvr>
-                                      <p:to>
-                                        <p:strVal val="visible"/>
-                                      </p:to>
-                                    </p:set>
-                                  </p:childTnLst>
-                                </p:cTn>
-                              </p:par>
-                            </p:childTnLst>
-                          </p:cTn>
-                        </p:par>
-                      </p:childTnLst>
-                    </p:cTn>
-                  </p:par>
-                </p:childTnLst>
-              </p:cTn>
-              <p:prevCondLst>
-                <p:cond evt="onPrev" delay="0">
-                  <p:tgtEl>
-                    <p:sldTgt/>
-                  </p:tgtEl>
-                </p:cond>
-              </p:prevCondLst>
-              <p:nextCondLst>
-                <p:cond evt="onNext" delay="0">
-                  <p:tgtEl>
-                    <p:sldTgt/>
-                  </p:tgtEl>
-                </p:cond>
-              </p:nextCondLst>
-            </p:seq>
-          </p:childTnLst>
-        </p:cTn>
-      </p:par>
-    </p:tnLst>
-    <p:bldLst>
-      <p:bldP spid="11" grpId="0"/>
-    </p:bldLst>
-  </p:timing>
-</p:sld>
-</file>
-
-<file path=ppt/slides/slide26.xml><?xml version="1.0" encoding="utf-8"?>
-<p:sld xmlns:a="http://schemas.openxmlformats.org/drawingml/2006/main" xmlns:r="http://schemas.openxmlformats.org/officeDocument/2006/relationships" xmlns:p="http://schemas.openxmlformats.org/presentationml/2006/main">
-  <p:cSld>
-    <p:spTree>
-      <p:nvGrpSpPr>
-        <p:cNvPr id="1" name=""/>
-        <p:cNvGrpSpPr/>
-        <p:nvPr/>
-      </p:nvGrpSpPr>
-      <p:grpSpPr>
-        <a:xfrm>
-          <a:off x="0" y="0"/>
-          <a:ext cx="0" cy="0"/>
-          <a:chOff x="0" y="0"/>
-          <a:chExt cx="0" cy="0"/>
-        </a:xfrm>
-      </p:grpSpPr>
-      <p:sp>
-        <p:nvSpPr>
-          <p:cNvPr id="2" name="标题 1">
-            <a:extLst>
-              <a:ext uri="{FF2B5EF4-FFF2-40B4-BE49-F238E27FC236}">
-                <a16:creationId xmlns:a16="http://schemas.microsoft.com/office/drawing/2014/main" id="{8700720A-CBA7-48BA-9BB9-3C65922A7768}"/>
-              </a:ext>
-            </a:extLst>
-          </p:cNvPr>
-          <p:cNvSpPr>
-            <a:spLocks noGrp="1"/>
-          </p:cNvSpPr>
-          <p:nvPr>
-            <p:ph type="title"/>
-          </p:nvPr>
-        </p:nvSpPr>
-        <p:spPr/>
-        <p:txBody>
-          <a:bodyPr/>
-          <a:lstStyle/>
-          <a:p>
-            <a:r>
-              <a:rPr lang="en-US" altLang="zh-CN" dirty="0"/>
-              <a:t>More Examples (3)</a:t>
-            </a:r>
-            <a:endParaRPr lang="zh-CN" altLang="en-US" dirty="0"/>
-          </a:p>
-        </p:txBody>
-      </p:sp>
-      <p:sp>
-        <p:nvSpPr>
-          <p:cNvPr id="4" name="灯片编号占位符 3">
-            <a:extLst>
-              <a:ext uri="{FF2B5EF4-FFF2-40B4-BE49-F238E27FC236}">
-                <a16:creationId xmlns:a16="http://schemas.microsoft.com/office/drawing/2014/main" id="{F087744B-91D8-461B-A9DE-878B371BB1F2}"/>
-              </a:ext>
-            </a:extLst>
-          </p:cNvPr>
-          <p:cNvSpPr>
-            <a:spLocks noGrp="1"/>
-          </p:cNvSpPr>
-          <p:nvPr>
-            <p:ph type="sldNum" sz="quarter" idx="12"/>
-          </p:nvPr>
-        </p:nvSpPr>
-        <p:spPr/>
-        <p:txBody>
-          <a:bodyPr/>
-          <a:lstStyle/>
-          <a:p>
-            <a:fld id="{87C04413-18D8-412A-9316-35F3054E094E}" type="slidenum">
-              <a:rPr lang="zh-CN" altLang="en-US" smtClean="0"/>
-              <a:t>26</a:t>
-            </a:fld>
-            <a:endParaRPr lang="zh-CN" altLang="en-US"/>
-          </a:p>
-        </p:txBody>
-      </p:sp>
-      <p:sp>
-        <p:nvSpPr>
-          <p:cNvPr id="5" name="TextBox 4">
-            <a:extLst>
-              <a:ext uri="{FF2B5EF4-FFF2-40B4-BE49-F238E27FC236}">
-                <a16:creationId xmlns:a16="http://schemas.microsoft.com/office/drawing/2014/main" id="{CA2C2282-1C3C-4208-A3AB-FA747976E789}"/>
-              </a:ext>
-            </a:extLst>
-          </p:cNvPr>
-          <p:cNvSpPr txBox="1"/>
-          <p:nvPr/>
-        </p:nvSpPr>
-        <p:spPr>
-          <a:xfrm>
-            <a:off x="457200" y="2923830"/>
-            <a:ext cx="1693663" cy="1384995"/>
-          </a:xfrm>
-          <a:prstGeom prst="rect">
-            <a:avLst/>
-          </a:prstGeom>
-          <a:noFill/>
-        </p:spPr>
-        <p:txBody>
-          <a:bodyPr wrap="square" rtlCol="0">
-            <a:spAutoFit/>
-          </a:bodyPr>
-          <a:lstStyle/>
-          <a:p>
-            <a:r>
-              <a:rPr lang="en-US" altLang="zh-CN" sz="2800" b="1" dirty="0"/>
-              <a:t>r1 = x;</a:t>
-            </a:r>
-          </a:p>
-          <a:p>
-            <a:r>
-              <a:rPr lang="en-US" altLang="zh-CN" sz="2800" b="1" dirty="0"/>
-              <a:t>if (r1 == 1)</a:t>
-            </a:r>
-          </a:p>
-          <a:p>
-            <a:r>
-              <a:rPr lang="en-US" altLang="zh-CN" sz="2800" b="1" dirty="0"/>
-              <a:t>    y = 1;</a:t>
-            </a:r>
-            <a:endParaRPr lang="zh-CN" altLang="en-US" sz="2800" b="1" dirty="0"/>
-          </a:p>
-        </p:txBody>
-      </p:sp>
-      <p:grpSp>
-        <p:nvGrpSpPr>
-          <p:cNvPr id="3" name="组合 2">
-            <a:extLst>
-              <a:ext uri="{FF2B5EF4-FFF2-40B4-BE49-F238E27FC236}">
-                <a16:creationId xmlns:a16="http://schemas.microsoft.com/office/drawing/2014/main" id="{09E43478-8132-4138-A69D-BFDD7F62D95B}"/>
-              </a:ext>
-            </a:extLst>
-          </p:cNvPr>
-          <p:cNvGrpSpPr/>
-          <p:nvPr/>
-        </p:nvGrpSpPr>
-        <p:grpSpPr>
-          <a:xfrm>
-            <a:off x="2282371" y="3118204"/>
-            <a:ext cx="72008" cy="961222"/>
-            <a:chOff x="2987824" y="3057843"/>
-            <a:chExt cx="72008" cy="961222"/>
-          </a:xfrm>
-        </p:grpSpPr>
-        <p:cxnSp>
-          <p:nvCxnSpPr>
-            <p:cNvPr id="7" name="直接连接符 6">
-              <a:extLst>
-                <a:ext uri="{FF2B5EF4-FFF2-40B4-BE49-F238E27FC236}">
-                  <a16:creationId xmlns:a16="http://schemas.microsoft.com/office/drawing/2014/main" id="{1BF7AC6F-67CA-4408-8EC3-1C0F32D0474E}"/>
-                </a:ext>
-              </a:extLst>
-            </p:cNvPr>
-            <p:cNvCxnSpPr/>
-            <p:nvPr/>
-          </p:nvCxnSpPr>
-          <p:spPr>
-            <a:xfrm>
-              <a:off x="2987824" y="3064958"/>
-              <a:ext cx="0" cy="954107"/>
-            </a:xfrm>
-            <a:prstGeom prst="line">
-              <a:avLst/>
-            </a:prstGeom>
-            <a:ln w="25400"/>
-          </p:spPr>
-          <p:style>
-            <a:lnRef idx="1">
-              <a:schemeClr val="accent1"/>
-            </a:lnRef>
-            <a:fillRef idx="0">
-              <a:schemeClr val="accent1"/>
-            </a:fillRef>
-            <a:effectRef idx="0">
-              <a:schemeClr val="accent1"/>
-            </a:effectRef>
-            <a:fontRef idx="minor">
-              <a:schemeClr val="tx1"/>
-            </a:fontRef>
-          </p:style>
-        </p:cxnSp>
-        <p:cxnSp>
-          <p:nvCxnSpPr>
-            <p:cNvPr id="8" name="直接连接符 7">
-              <a:extLst>
-                <a:ext uri="{FF2B5EF4-FFF2-40B4-BE49-F238E27FC236}">
-                  <a16:creationId xmlns:a16="http://schemas.microsoft.com/office/drawing/2014/main" id="{5AEB5D75-8C7C-477F-8D64-A16F035786CC}"/>
-                </a:ext>
-              </a:extLst>
-            </p:cNvPr>
-            <p:cNvCxnSpPr/>
-            <p:nvPr/>
-          </p:nvCxnSpPr>
-          <p:spPr>
-            <a:xfrm>
-              <a:off x="3059832" y="3057843"/>
-              <a:ext cx="0" cy="954107"/>
-            </a:xfrm>
-            <a:prstGeom prst="line">
-              <a:avLst/>
-            </a:prstGeom>
-            <a:ln w="25400"/>
-          </p:spPr>
-          <p:style>
-            <a:lnRef idx="1">
-              <a:schemeClr val="accent1"/>
-            </a:lnRef>
-            <a:fillRef idx="0">
-              <a:schemeClr val="accent1"/>
-            </a:fillRef>
-            <a:effectRef idx="0">
-              <a:schemeClr val="accent1"/>
-            </a:effectRef>
-            <a:fontRef idx="minor">
-              <a:schemeClr val="tx1"/>
-            </a:fontRef>
-          </p:style>
-        </p:cxnSp>
-      </p:grpSp>
-      <p:sp>
-        <p:nvSpPr>
-          <p:cNvPr id="9" name="TextBox 10">
-            <a:extLst>
-              <a:ext uri="{FF2B5EF4-FFF2-40B4-BE49-F238E27FC236}">
-                <a16:creationId xmlns:a16="http://schemas.microsoft.com/office/drawing/2014/main" id="{FE502D40-4180-4C4D-9246-E939E77980B1}"/>
-              </a:ext>
-            </a:extLst>
-          </p:cNvPr>
-          <p:cNvSpPr txBox="1"/>
-          <p:nvPr/>
-        </p:nvSpPr>
-        <p:spPr>
-          <a:xfrm>
-            <a:off x="1318816" y="2165291"/>
-            <a:ext cx="3692850" cy="523220"/>
-          </a:xfrm>
-          <a:prstGeom prst="rect">
-            <a:avLst/>
-          </a:prstGeom>
-          <a:noFill/>
-        </p:spPr>
-        <p:txBody>
-          <a:bodyPr wrap="square" rtlCol="0">
-            <a:spAutoFit/>
-          </a:bodyPr>
-          <a:lstStyle/>
-          <a:p>
-            <a:r>
-              <a:rPr lang="en-US" altLang="zh-CN" sz="2800" b="1" dirty="0"/>
-              <a:t>Initially:  x = y = z = 0</a:t>
-            </a:r>
-            <a:endParaRPr lang="zh-CN" altLang="en-US" sz="2800" b="1" dirty="0"/>
-          </a:p>
-        </p:txBody>
-      </p:sp>
-      <p:sp>
-        <p:nvSpPr>
-          <p:cNvPr id="10" name="TextBox 9">
-            <a:extLst>
-              <a:ext uri="{FF2B5EF4-FFF2-40B4-BE49-F238E27FC236}">
-                <a16:creationId xmlns:a16="http://schemas.microsoft.com/office/drawing/2014/main" id="{83C4F6A5-ED1E-4453-BBDB-15B383FDF4AE}"/>
-              </a:ext>
-            </a:extLst>
-          </p:cNvPr>
-          <p:cNvSpPr txBox="1"/>
-          <p:nvPr/>
-        </p:nvSpPr>
-        <p:spPr>
-          <a:xfrm>
-            <a:off x="3132885" y="4509120"/>
-            <a:ext cx="3103962" cy="523220"/>
-          </a:xfrm>
-          <a:prstGeom prst="rect">
-            <a:avLst/>
-          </a:prstGeom>
-          <a:noFill/>
-        </p:spPr>
-        <p:txBody>
-          <a:bodyPr wrap="square" rtlCol="0">
-            <a:spAutoFit/>
-          </a:bodyPr>
-          <a:lstStyle/>
-          <a:p>
-            <a:r>
-              <a:rPr lang="en-US" altLang="zh-CN" sz="2800" b="1" i="1" dirty="0">
-                <a:solidFill>
-                  <a:srgbClr val="C00000"/>
-                </a:solidFill>
-              </a:rPr>
-              <a:t>r1 = r2 = 1, r3 = 0?</a:t>
-            </a:r>
-            <a:endParaRPr lang="zh-CN" altLang="en-US" sz="2800" b="1" i="1" dirty="0">
-              <a:solidFill>
-                <a:srgbClr val="C00000"/>
-              </a:solidFill>
-            </a:endParaRPr>
-          </a:p>
-        </p:txBody>
-      </p:sp>
-      <p:sp>
-        <p:nvSpPr>
-          <p:cNvPr id="11" name="TextBox 57">
-            <a:extLst>
-              <a:ext uri="{FF2B5EF4-FFF2-40B4-BE49-F238E27FC236}">
-                <a16:creationId xmlns:a16="http://schemas.microsoft.com/office/drawing/2014/main" id="{689C2A8B-5B68-4660-96B9-0BE13473AE0B}"/>
-              </a:ext>
-            </a:extLst>
-          </p:cNvPr>
-          <p:cNvSpPr txBox="1"/>
-          <p:nvPr/>
-        </p:nvSpPr>
-        <p:spPr>
-          <a:xfrm>
-            <a:off x="3217963" y="5314378"/>
-            <a:ext cx="2952328" cy="523220"/>
-          </a:xfrm>
-          <a:prstGeom prst="rect">
-            <a:avLst/>
-          </a:prstGeom>
-          <a:noFill/>
-        </p:spPr>
-        <p:txBody>
-          <a:bodyPr wrap="square" rtlCol="0">
-            <a:spAutoFit/>
-          </a:bodyPr>
-          <a:lstStyle/>
-          <a:p>
-            <a:r>
-              <a:rPr lang="en-US" altLang="zh-CN" sz="2800" dirty="0"/>
-              <a:t>Allowed in HMM!</a:t>
-            </a:r>
-            <a:endParaRPr lang="zh-CN" altLang="en-US" sz="2800" dirty="0"/>
-          </a:p>
-        </p:txBody>
-      </p:sp>
-      <p:sp>
-        <p:nvSpPr>
-          <p:cNvPr id="13" name="文本框 12">
-            <a:extLst>
-              <a:ext uri="{FF2B5EF4-FFF2-40B4-BE49-F238E27FC236}">
-                <a16:creationId xmlns:a16="http://schemas.microsoft.com/office/drawing/2014/main" id="{58CF5D48-5A97-49BF-B65B-59E82DB7CD00}"/>
-              </a:ext>
-            </a:extLst>
-          </p:cNvPr>
-          <p:cNvSpPr txBox="1"/>
-          <p:nvPr/>
-        </p:nvSpPr>
-        <p:spPr>
-          <a:xfrm>
-            <a:off x="357732" y="1363360"/>
-            <a:ext cx="2650854" cy="461665"/>
-          </a:xfrm>
-          <a:prstGeom prst="rect">
-            <a:avLst/>
-          </a:prstGeom>
-          <a:solidFill>
-            <a:schemeClr val="accent6">
-              <a:lumMod val="20000"/>
-              <a:lumOff val="80000"/>
-            </a:schemeClr>
-          </a:solidFill>
-        </p:spPr>
-        <p:txBody>
-          <a:bodyPr wrap="none" rtlCol="0">
-            <a:spAutoFit/>
-          </a:bodyPr>
-          <a:lstStyle/>
-          <a:p>
-            <a:r>
-              <a:rPr lang="en-US" altLang="zh-CN" sz="2400" dirty="0"/>
-              <a:t>Out-of-thin-air read</a:t>
-            </a:r>
-            <a:endParaRPr lang="zh-CN" altLang="en-US" sz="2400" dirty="0"/>
-          </a:p>
-        </p:txBody>
-      </p:sp>
-      <p:sp>
-        <p:nvSpPr>
-          <p:cNvPr id="23" name="TextBox 4">
-            <a:extLst>
-              <a:ext uri="{FF2B5EF4-FFF2-40B4-BE49-F238E27FC236}">
-                <a16:creationId xmlns:a16="http://schemas.microsoft.com/office/drawing/2014/main" id="{FA60DEAC-BDE5-4B81-AABF-F245ABB9BD47}"/>
-              </a:ext>
-            </a:extLst>
-          </p:cNvPr>
-          <p:cNvSpPr txBox="1"/>
-          <p:nvPr/>
-        </p:nvSpPr>
-        <p:spPr>
-          <a:xfrm>
-            <a:off x="2661521" y="2906318"/>
-            <a:ext cx="1693663" cy="1384995"/>
-          </a:xfrm>
-          <a:prstGeom prst="rect">
-            <a:avLst/>
-          </a:prstGeom>
-          <a:noFill/>
-        </p:spPr>
-        <p:txBody>
-          <a:bodyPr wrap="square" rtlCol="0">
-            <a:spAutoFit/>
-          </a:bodyPr>
-          <a:lstStyle/>
-          <a:p>
-            <a:r>
-              <a:rPr lang="en-US" altLang="zh-CN" sz="2800" b="1" dirty="0"/>
-              <a:t>r2 = y;</a:t>
-            </a:r>
-          </a:p>
-          <a:p>
-            <a:r>
-              <a:rPr lang="en-US" altLang="zh-CN" sz="2800" b="1" dirty="0"/>
-              <a:t>if (r2 == 1)</a:t>
-            </a:r>
-          </a:p>
-          <a:p>
-            <a:r>
-              <a:rPr lang="en-US" altLang="zh-CN" sz="2800" b="1" dirty="0"/>
-              <a:t>    x = 1;</a:t>
-            </a:r>
-            <a:endParaRPr lang="zh-CN" altLang="en-US" sz="2800" b="1" dirty="0"/>
-          </a:p>
-        </p:txBody>
-      </p:sp>
-      <p:grpSp>
-        <p:nvGrpSpPr>
-          <p:cNvPr id="24" name="组合 23">
-            <a:extLst>
-              <a:ext uri="{FF2B5EF4-FFF2-40B4-BE49-F238E27FC236}">
-                <a16:creationId xmlns:a16="http://schemas.microsoft.com/office/drawing/2014/main" id="{00B42554-A1EE-4AB7-9EB8-9779E02AABA0}"/>
-              </a:ext>
-            </a:extLst>
-          </p:cNvPr>
-          <p:cNvGrpSpPr/>
-          <p:nvPr/>
-        </p:nvGrpSpPr>
-        <p:grpSpPr>
-          <a:xfrm>
-            <a:off x="4486692" y="3100692"/>
-            <a:ext cx="72008" cy="961222"/>
-            <a:chOff x="2987824" y="3057843"/>
-            <a:chExt cx="72008" cy="961222"/>
-          </a:xfrm>
-        </p:grpSpPr>
-        <p:cxnSp>
-          <p:nvCxnSpPr>
-            <p:cNvPr id="25" name="直接连接符 24">
-              <a:extLst>
-                <a:ext uri="{FF2B5EF4-FFF2-40B4-BE49-F238E27FC236}">
-                  <a16:creationId xmlns:a16="http://schemas.microsoft.com/office/drawing/2014/main" id="{F3004F92-2A42-46F0-A2B8-7DE54A66BF83}"/>
-                </a:ext>
-              </a:extLst>
-            </p:cNvPr>
-            <p:cNvCxnSpPr/>
-            <p:nvPr/>
-          </p:nvCxnSpPr>
-          <p:spPr>
-            <a:xfrm>
-              <a:off x="2987824" y="3064958"/>
-              <a:ext cx="0" cy="954107"/>
-            </a:xfrm>
-            <a:prstGeom prst="line">
-              <a:avLst/>
-            </a:prstGeom>
-            <a:ln w="25400"/>
-          </p:spPr>
-          <p:style>
-            <a:lnRef idx="1">
-              <a:schemeClr val="accent1"/>
-            </a:lnRef>
-            <a:fillRef idx="0">
-              <a:schemeClr val="accent1"/>
-            </a:fillRef>
-            <a:effectRef idx="0">
-              <a:schemeClr val="accent1"/>
-            </a:effectRef>
-            <a:fontRef idx="minor">
-              <a:schemeClr val="tx1"/>
-            </a:fontRef>
-          </p:style>
-        </p:cxnSp>
-        <p:cxnSp>
-          <p:nvCxnSpPr>
-            <p:cNvPr id="26" name="直接连接符 25">
-              <a:extLst>
-                <a:ext uri="{FF2B5EF4-FFF2-40B4-BE49-F238E27FC236}">
-                  <a16:creationId xmlns:a16="http://schemas.microsoft.com/office/drawing/2014/main" id="{5172B69E-B724-4EAB-8C70-3F0159367C38}"/>
-                </a:ext>
-              </a:extLst>
-            </p:cNvPr>
-            <p:cNvCxnSpPr/>
-            <p:nvPr/>
-          </p:nvCxnSpPr>
-          <p:spPr>
-            <a:xfrm>
-              <a:off x="3059832" y="3057843"/>
-              <a:ext cx="0" cy="954107"/>
-            </a:xfrm>
-            <a:prstGeom prst="line">
-              <a:avLst/>
-            </a:prstGeom>
-            <a:ln w="25400"/>
-          </p:spPr>
-          <p:style>
-            <a:lnRef idx="1">
-              <a:schemeClr val="accent1"/>
-            </a:lnRef>
-            <a:fillRef idx="0">
-              <a:schemeClr val="accent1"/>
-            </a:fillRef>
-            <a:effectRef idx="0">
-              <a:schemeClr val="accent1"/>
-            </a:effectRef>
-            <a:fontRef idx="minor">
-              <a:schemeClr val="tx1"/>
-            </a:fontRef>
-          </p:style>
-        </p:cxnSp>
-      </p:grpSp>
-      <p:sp>
-        <p:nvSpPr>
-          <p:cNvPr id="27" name="TextBox 4">
-            <a:extLst>
-              <a:ext uri="{FF2B5EF4-FFF2-40B4-BE49-F238E27FC236}">
-                <a16:creationId xmlns:a16="http://schemas.microsoft.com/office/drawing/2014/main" id="{AB8340E9-8C69-4523-80D5-A3F99733F8A5}"/>
-              </a:ext>
-            </a:extLst>
-          </p:cNvPr>
-          <p:cNvSpPr txBox="1"/>
-          <p:nvPr/>
-        </p:nvSpPr>
-        <p:spPr>
-          <a:xfrm>
-            <a:off x="4921205" y="3283967"/>
-            <a:ext cx="1693663" cy="523220"/>
-          </a:xfrm>
-          <a:prstGeom prst="rect">
-            <a:avLst/>
-          </a:prstGeom>
-          <a:noFill/>
-        </p:spPr>
-        <p:txBody>
-          <a:bodyPr wrap="square" rtlCol="0">
-            <a:spAutoFit/>
-          </a:bodyPr>
-          <a:lstStyle/>
-          <a:p>
-            <a:r>
-              <a:rPr lang="en-US" altLang="zh-CN" sz="2800" b="1" dirty="0"/>
-              <a:t>z = 1;</a:t>
-            </a:r>
-            <a:endParaRPr lang="zh-CN" altLang="en-US" sz="2800" b="1" dirty="0"/>
-          </a:p>
-        </p:txBody>
-      </p:sp>
-      <p:grpSp>
-        <p:nvGrpSpPr>
-          <p:cNvPr id="28" name="组合 27">
-            <a:extLst>
-              <a:ext uri="{FF2B5EF4-FFF2-40B4-BE49-F238E27FC236}">
-                <a16:creationId xmlns:a16="http://schemas.microsoft.com/office/drawing/2014/main" id="{57226E03-5E0D-406A-A033-ECB31044D578}"/>
-              </a:ext>
-            </a:extLst>
-          </p:cNvPr>
-          <p:cNvGrpSpPr/>
-          <p:nvPr/>
-        </p:nvGrpSpPr>
-        <p:grpSpPr>
-          <a:xfrm>
-            <a:off x="6215229" y="3118204"/>
-            <a:ext cx="72008" cy="961222"/>
-            <a:chOff x="2987824" y="3057843"/>
-            <a:chExt cx="72008" cy="961222"/>
-          </a:xfrm>
-        </p:grpSpPr>
-        <p:cxnSp>
-          <p:nvCxnSpPr>
-            <p:cNvPr id="29" name="直接连接符 28">
-              <a:extLst>
-                <a:ext uri="{FF2B5EF4-FFF2-40B4-BE49-F238E27FC236}">
-                  <a16:creationId xmlns:a16="http://schemas.microsoft.com/office/drawing/2014/main" id="{947BF8A6-8AA1-4E52-AEFA-3CB6AB4EECB0}"/>
-                </a:ext>
-              </a:extLst>
-            </p:cNvPr>
-            <p:cNvCxnSpPr/>
-            <p:nvPr/>
-          </p:nvCxnSpPr>
-          <p:spPr>
-            <a:xfrm>
-              <a:off x="2987824" y="3064958"/>
-              <a:ext cx="0" cy="954107"/>
-            </a:xfrm>
-            <a:prstGeom prst="line">
-              <a:avLst/>
-            </a:prstGeom>
-            <a:ln w="25400"/>
-          </p:spPr>
-          <p:style>
-            <a:lnRef idx="1">
-              <a:schemeClr val="accent1"/>
-            </a:lnRef>
-            <a:fillRef idx="0">
-              <a:schemeClr val="accent1"/>
-            </a:fillRef>
-            <a:effectRef idx="0">
-              <a:schemeClr val="accent1"/>
-            </a:effectRef>
-            <a:fontRef idx="minor">
-              <a:schemeClr val="tx1"/>
-            </a:fontRef>
-          </p:style>
-        </p:cxnSp>
-        <p:cxnSp>
-          <p:nvCxnSpPr>
-            <p:cNvPr id="30" name="直接连接符 29">
-              <a:extLst>
-                <a:ext uri="{FF2B5EF4-FFF2-40B4-BE49-F238E27FC236}">
-                  <a16:creationId xmlns:a16="http://schemas.microsoft.com/office/drawing/2014/main" id="{49F0AAD6-7A8D-4C75-BB10-45E16839CDE3}"/>
-                </a:ext>
-              </a:extLst>
-            </p:cNvPr>
-            <p:cNvCxnSpPr/>
-            <p:nvPr/>
-          </p:nvCxnSpPr>
-          <p:spPr>
-            <a:xfrm>
-              <a:off x="3059832" y="3057843"/>
-              <a:ext cx="0" cy="954107"/>
-            </a:xfrm>
-            <a:prstGeom prst="line">
-              <a:avLst/>
-            </a:prstGeom>
-            <a:ln w="25400"/>
-          </p:spPr>
-          <p:style>
-            <a:lnRef idx="1">
-              <a:schemeClr val="accent1"/>
-            </a:lnRef>
-            <a:fillRef idx="0">
-              <a:schemeClr val="accent1"/>
-            </a:fillRef>
-            <a:effectRef idx="0">
-              <a:schemeClr val="accent1"/>
-            </a:effectRef>
-            <a:fontRef idx="minor">
-              <a:schemeClr val="tx1"/>
-            </a:fontRef>
-          </p:style>
-        </p:cxnSp>
-      </p:grpSp>
-      <p:sp>
-        <p:nvSpPr>
-          <p:cNvPr id="31" name="TextBox 4">
-            <a:extLst>
-              <a:ext uri="{FF2B5EF4-FFF2-40B4-BE49-F238E27FC236}">
-                <a16:creationId xmlns:a16="http://schemas.microsoft.com/office/drawing/2014/main" id="{22D022C8-B537-42E7-81E2-171DF91EAEE3}"/>
-              </a:ext>
-            </a:extLst>
-          </p:cNvPr>
-          <p:cNvSpPr txBox="1"/>
-          <p:nvPr/>
-        </p:nvSpPr>
-        <p:spPr>
-          <a:xfrm>
-            <a:off x="6553200" y="2923830"/>
-            <a:ext cx="1693663" cy="1384995"/>
-          </a:xfrm>
-          <a:prstGeom prst="rect">
-            <a:avLst/>
-          </a:prstGeom>
-          <a:noFill/>
-        </p:spPr>
-        <p:txBody>
-          <a:bodyPr wrap="square" rtlCol="0">
-            <a:spAutoFit/>
-          </a:bodyPr>
-          <a:lstStyle/>
-          <a:p>
-            <a:r>
-              <a:rPr lang="en-US" altLang="zh-CN" sz="2800" b="1" dirty="0"/>
-              <a:t>r3 = z;</a:t>
-            </a:r>
-          </a:p>
-          <a:p>
-            <a:r>
-              <a:rPr lang="en-US" altLang="zh-CN" sz="2800" b="1" dirty="0"/>
-              <a:t>if (r3 == 1)</a:t>
-            </a:r>
-          </a:p>
-          <a:p>
-            <a:r>
-              <a:rPr lang="en-US" altLang="zh-CN" sz="2800" b="1" dirty="0"/>
-              <a:t>    x = 1;</a:t>
-            </a:r>
-            <a:endParaRPr lang="zh-CN" altLang="en-US" sz="2800" b="1" dirty="0"/>
-          </a:p>
-        </p:txBody>
-      </p:sp>
-    </p:spTree>
-    <p:extLst>
-      <p:ext uri="{BB962C8B-B14F-4D97-AF65-F5344CB8AC3E}">
-        <p14:creationId xmlns:p14="http://schemas.microsoft.com/office/powerpoint/2010/main" val="2916507774"/>
       </p:ext>
     </p:extLst>
   </p:cSld>
@@ -20588,8 +20558,8 @@
         </p:nvSpPr>
         <p:spPr>
           <a:xfrm>
-            <a:off x="886768" y="2849513"/>
-            <a:ext cx="2351608" cy="1384995"/>
+            <a:off x="457200" y="2923830"/>
+            <a:ext cx="1693663" cy="1384995"/>
           </a:xfrm>
           <a:prstGeom prst="rect">
             <a:avLst/>
@@ -20610,140 +20580,113 @@
           <a:p>
             <a:r>
               <a:rPr lang="en-US" altLang="zh-CN" sz="2800" b="1" dirty="0"/>
-              <a:t>if (r1 != 0)</a:t>
+              <a:t>if (r1 == 1)</a:t>
             </a:r>
           </a:p>
           <a:p>
             <a:r>
               <a:rPr lang="en-US" altLang="zh-CN" sz="2800" b="1" dirty="0"/>
-              <a:t>    y = 42;</a:t>
+              <a:t>    y = 1;</a:t>
             </a:r>
             <a:endParaRPr lang="zh-CN" altLang="en-US" sz="2800" b="1" dirty="0"/>
           </a:p>
         </p:txBody>
       </p:sp>
-      <p:sp>
-        <p:nvSpPr>
-          <p:cNvPr id="6" name="TextBox 5">
+      <p:grpSp>
+        <p:nvGrpSpPr>
+          <p:cNvPr id="3" name="组合 2">
             <a:extLst>
               <a:ext uri="{FF2B5EF4-FFF2-40B4-BE49-F238E27FC236}">
-                <a16:creationId xmlns:a16="http://schemas.microsoft.com/office/drawing/2014/main" id="{34F30BD2-7960-4E84-9868-DFD6DD72A064}"/>
+                <a16:creationId xmlns:a16="http://schemas.microsoft.com/office/drawing/2014/main" id="{09E43478-8132-4138-A69D-BFDD7F62D95B}"/>
               </a:ext>
             </a:extLst>
           </p:cNvPr>
-          <p:cNvSpPr txBox="1"/>
+          <p:cNvGrpSpPr/>
           <p:nvPr/>
-        </p:nvSpPr>
-        <p:spPr>
-          <a:xfrm>
-            <a:off x="3310383" y="2849513"/>
-            <a:ext cx="1618704" cy="1384995"/>
-          </a:xfrm>
-          <a:prstGeom prst="rect">
-            <a:avLst/>
-          </a:prstGeom>
-          <a:noFill/>
-        </p:spPr>
-        <p:txBody>
-          <a:bodyPr wrap="square" rtlCol="0">
-            <a:spAutoFit/>
-          </a:bodyPr>
-          <a:lstStyle/>
-          <a:p>
-            <a:r>
-              <a:rPr lang="en-US" altLang="zh-CN" sz="2800" b="1" dirty="0"/>
-              <a:t>r2 = y;</a:t>
-            </a:r>
-          </a:p>
-          <a:p>
-            <a:r>
-              <a:rPr lang="en-US" altLang="zh-CN" sz="2800" b="1" dirty="0"/>
-              <a:t>if (r2 != 0)</a:t>
-            </a:r>
-          </a:p>
-          <a:p>
-            <a:r>
-              <a:rPr lang="en-US" altLang="zh-CN" sz="2800" b="1" dirty="0"/>
-              <a:t>    x = 42;</a:t>
-            </a:r>
-            <a:endParaRPr lang="zh-CN" altLang="en-US" sz="2800" b="1" dirty="0"/>
-          </a:p>
-        </p:txBody>
-      </p:sp>
-      <p:cxnSp>
-        <p:nvCxnSpPr>
-          <p:cNvPr id="7" name="直接连接符 6">
-            <a:extLst>
-              <a:ext uri="{FF2B5EF4-FFF2-40B4-BE49-F238E27FC236}">
-                <a16:creationId xmlns:a16="http://schemas.microsoft.com/office/drawing/2014/main" id="{1BF7AC6F-67CA-4408-8EC3-1C0F32D0474E}"/>
-              </a:ext>
-            </a:extLst>
-          </p:cNvPr>
-          <p:cNvCxnSpPr/>
-          <p:nvPr/>
-        </p:nvCxnSpPr>
-        <p:spPr>
-          <a:xfrm>
-            <a:off x="2987824" y="3064958"/>
-            <a:ext cx="0" cy="954107"/>
-          </a:xfrm>
-          <a:prstGeom prst="line">
-            <a:avLst/>
-          </a:prstGeom>
-          <a:ln w="25400"/>
-        </p:spPr>
-        <p:style>
-          <a:lnRef idx="1">
-            <a:schemeClr val="accent1"/>
-          </a:lnRef>
-          <a:fillRef idx="0">
-            <a:schemeClr val="accent1"/>
-          </a:fillRef>
-          <a:effectRef idx="0">
-            <a:schemeClr val="accent1"/>
-          </a:effectRef>
-          <a:fontRef idx="minor">
-            <a:schemeClr val="tx1"/>
-          </a:fontRef>
-        </p:style>
-      </p:cxnSp>
-      <p:cxnSp>
-        <p:nvCxnSpPr>
-          <p:cNvPr id="8" name="直接连接符 7">
-            <a:extLst>
-              <a:ext uri="{FF2B5EF4-FFF2-40B4-BE49-F238E27FC236}">
-                <a16:creationId xmlns:a16="http://schemas.microsoft.com/office/drawing/2014/main" id="{5AEB5D75-8C7C-477F-8D64-A16F035786CC}"/>
-              </a:ext>
-            </a:extLst>
-          </p:cNvPr>
-          <p:cNvCxnSpPr/>
-          <p:nvPr/>
-        </p:nvCxnSpPr>
-        <p:spPr>
-          <a:xfrm>
-            <a:off x="3059832" y="3057843"/>
-            <a:ext cx="0" cy="954107"/>
-          </a:xfrm>
-          <a:prstGeom prst="line">
-            <a:avLst/>
-          </a:prstGeom>
-          <a:ln w="25400"/>
-        </p:spPr>
-        <p:style>
-          <a:lnRef idx="1">
-            <a:schemeClr val="accent1"/>
-          </a:lnRef>
-          <a:fillRef idx="0">
-            <a:schemeClr val="accent1"/>
-          </a:fillRef>
-          <a:effectRef idx="0">
-            <a:schemeClr val="accent1"/>
-          </a:effectRef>
-          <a:fontRef idx="minor">
-            <a:schemeClr val="tx1"/>
-          </a:fontRef>
-        </p:style>
-      </p:cxnSp>
+        </p:nvGrpSpPr>
+        <p:grpSpPr>
+          <a:xfrm>
+            <a:off x="2282371" y="3118204"/>
+            <a:ext cx="72008" cy="961222"/>
+            <a:chOff x="2987824" y="3057843"/>
+            <a:chExt cx="72008" cy="961222"/>
+          </a:xfrm>
+        </p:grpSpPr>
+        <p:cxnSp>
+          <p:nvCxnSpPr>
+            <p:cNvPr id="7" name="直接连接符 6">
+              <a:extLst>
+                <a:ext uri="{FF2B5EF4-FFF2-40B4-BE49-F238E27FC236}">
+                  <a16:creationId xmlns:a16="http://schemas.microsoft.com/office/drawing/2014/main" id="{1BF7AC6F-67CA-4408-8EC3-1C0F32D0474E}"/>
+                </a:ext>
+              </a:extLst>
+            </p:cNvPr>
+            <p:cNvCxnSpPr/>
+            <p:nvPr/>
+          </p:nvCxnSpPr>
+          <p:spPr>
+            <a:xfrm>
+              <a:off x="2987824" y="3064958"/>
+              <a:ext cx="0" cy="954107"/>
+            </a:xfrm>
+            <a:prstGeom prst="line">
+              <a:avLst/>
+            </a:prstGeom>
+            <a:ln w="25400"/>
+          </p:spPr>
+          <p:style>
+            <a:lnRef idx="1">
+              <a:schemeClr val="accent1"/>
+            </a:lnRef>
+            <a:fillRef idx="0">
+              <a:schemeClr val="accent1"/>
+            </a:fillRef>
+            <a:effectRef idx="0">
+              <a:schemeClr val="accent1"/>
+            </a:effectRef>
+            <a:fontRef idx="minor">
+              <a:schemeClr val="tx1"/>
+            </a:fontRef>
+          </p:style>
+        </p:cxnSp>
+        <p:cxnSp>
+          <p:nvCxnSpPr>
+            <p:cNvPr id="8" name="直接连接符 7">
+              <a:extLst>
+                <a:ext uri="{FF2B5EF4-FFF2-40B4-BE49-F238E27FC236}">
+                  <a16:creationId xmlns:a16="http://schemas.microsoft.com/office/drawing/2014/main" id="{5AEB5D75-8C7C-477F-8D64-A16F035786CC}"/>
+                </a:ext>
+              </a:extLst>
+            </p:cNvPr>
+            <p:cNvCxnSpPr/>
+            <p:nvPr/>
+          </p:nvCxnSpPr>
+          <p:spPr>
+            <a:xfrm>
+              <a:off x="3059832" y="3057843"/>
+              <a:ext cx="0" cy="954107"/>
+            </a:xfrm>
+            <a:prstGeom prst="line">
+              <a:avLst/>
+            </a:prstGeom>
+            <a:ln w="25400"/>
+          </p:spPr>
+          <p:style>
+            <a:lnRef idx="1">
+              <a:schemeClr val="accent1"/>
+            </a:lnRef>
+            <a:fillRef idx="0">
+              <a:schemeClr val="accent1"/>
+            </a:fillRef>
+            <a:effectRef idx="0">
+              <a:schemeClr val="accent1"/>
+            </a:effectRef>
+            <a:fontRef idx="minor">
+              <a:schemeClr val="tx1"/>
+            </a:fontRef>
+          </p:style>
+        </p:cxnSp>
+      </p:grpSp>
       <p:sp>
         <p:nvSpPr>
           <p:cNvPr id="9" name="TextBox 10">
@@ -20774,7 +20717,7 @@
           <a:p>
             <a:r>
               <a:rPr lang="en-US" altLang="zh-CN" sz="2800" b="1" dirty="0"/>
-              <a:t>Initially:  x = y = 0</a:t>
+              <a:t>Initially:  x = y = z = 0</a:t>
             </a:r>
             <a:endParaRPr lang="zh-CN" altLang="en-US" sz="2800" b="1" dirty="0"/>
           </a:p>
@@ -20794,8 +20737,8 @@
         </p:nvSpPr>
         <p:spPr>
           <a:xfrm>
-            <a:off x="1907704" y="4449953"/>
-            <a:ext cx="2160240" cy="523220"/>
+            <a:off x="3132885" y="4509120"/>
+            <a:ext cx="3103962" cy="523220"/>
           </a:xfrm>
           <a:prstGeom prst="rect">
             <a:avLst/>
@@ -20814,7 +20757,7 @@
                   <a:srgbClr val="C00000"/>
                 </a:solidFill>
               </a:rPr>
-              <a:t>r1 = r2 = 42?</a:t>
+              <a:t>r1 = r2 = 1, r3 = 0?</a:t>
             </a:r>
             <a:endParaRPr lang="zh-CN" altLang="en-US" sz="2800" b="1" i="1" dirty="0">
               <a:solidFill>
@@ -20838,7 +20781,7 @@
         </p:nvSpPr>
         <p:spPr>
           <a:xfrm>
-            <a:off x="1619672" y="5327889"/>
+            <a:off x="3217963" y="5314378"/>
             <a:ext cx="2952328" cy="523220"/>
           </a:xfrm>
           <a:prstGeom prst="rect">
@@ -20862,10 +20805,10 @@
       </p:sp>
       <p:sp>
         <p:nvSpPr>
-          <p:cNvPr id="12" name="文本框 11">
+          <p:cNvPr id="13" name="文本框 12">
             <a:extLst>
               <a:ext uri="{FF2B5EF4-FFF2-40B4-BE49-F238E27FC236}">
-                <a16:creationId xmlns:a16="http://schemas.microsoft.com/office/drawing/2014/main" id="{47E20FE5-A323-4506-B922-13AAA89A1229}"/>
+                <a16:creationId xmlns:a16="http://schemas.microsoft.com/office/drawing/2014/main" id="{58CF5D48-5A97-49BF-B65B-59E82DB7CD00}"/>
               </a:ext>
             </a:extLst>
           </p:cNvPr>
@@ -20875,7 +20818,7 @@
         <p:spPr>
           <a:xfrm>
             <a:off x="357732" y="1363360"/>
-            <a:ext cx="4657237" cy="461665"/>
+            <a:ext cx="2650854" cy="461665"/>
           </a:xfrm>
           <a:prstGeom prst="rect">
             <a:avLst/>
@@ -20895,16 +20838,338 @@
           <a:p>
             <a:r>
               <a:rPr lang="en-US" altLang="zh-CN" sz="2400" dirty="0"/>
-              <a:t>HMM does not have DRF-guarantee</a:t>
+              <a:t>Out-of-thin-air read</a:t>
             </a:r>
             <a:endParaRPr lang="zh-CN" altLang="en-US" sz="2400" dirty="0"/>
+          </a:p>
+        </p:txBody>
+      </p:sp>
+      <p:sp>
+        <p:nvSpPr>
+          <p:cNvPr id="23" name="TextBox 4">
+            <a:extLst>
+              <a:ext uri="{FF2B5EF4-FFF2-40B4-BE49-F238E27FC236}">
+                <a16:creationId xmlns:a16="http://schemas.microsoft.com/office/drawing/2014/main" id="{FA60DEAC-BDE5-4B81-AABF-F245ABB9BD47}"/>
+              </a:ext>
+            </a:extLst>
+          </p:cNvPr>
+          <p:cNvSpPr txBox="1"/>
+          <p:nvPr/>
+        </p:nvSpPr>
+        <p:spPr>
+          <a:xfrm>
+            <a:off x="2661521" y="2906318"/>
+            <a:ext cx="1693663" cy="1384995"/>
+          </a:xfrm>
+          <a:prstGeom prst="rect">
+            <a:avLst/>
+          </a:prstGeom>
+          <a:noFill/>
+        </p:spPr>
+        <p:txBody>
+          <a:bodyPr wrap="square" rtlCol="0">
+            <a:spAutoFit/>
+          </a:bodyPr>
+          <a:lstStyle/>
+          <a:p>
+            <a:r>
+              <a:rPr lang="en-US" altLang="zh-CN" sz="2800" b="1" dirty="0"/>
+              <a:t>r2 = y;</a:t>
+            </a:r>
+          </a:p>
+          <a:p>
+            <a:r>
+              <a:rPr lang="en-US" altLang="zh-CN" sz="2800" b="1" dirty="0"/>
+              <a:t>if (r2 == 1)</a:t>
+            </a:r>
+          </a:p>
+          <a:p>
+            <a:r>
+              <a:rPr lang="en-US" altLang="zh-CN" sz="2800" b="1" dirty="0"/>
+              <a:t>    x = 1;</a:t>
+            </a:r>
+            <a:endParaRPr lang="zh-CN" altLang="en-US" sz="2800" b="1" dirty="0"/>
+          </a:p>
+        </p:txBody>
+      </p:sp>
+      <p:grpSp>
+        <p:nvGrpSpPr>
+          <p:cNvPr id="24" name="组合 23">
+            <a:extLst>
+              <a:ext uri="{FF2B5EF4-FFF2-40B4-BE49-F238E27FC236}">
+                <a16:creationId xmlns:a16="http://schemas.microsoft.com/office/drawing/2014/main" id="{00B42554-A1EE-4AB7-9EB8-9779E02AABA0}"/>
+              </a:ext>
+            </a:extLst>
+          </p:cNvPr>
+          <p:cNvGrpSpPr/>
+          <p:nvPr/>
+        </p:nvGrpSpPr>
+        <p:grpSpPr>
+          <a:xfrm>
+            <a:off x="4486692" y="3100692"/>
+            <a:ext cx="72008" cy="961222"/>
+            <a:chOff x="2987824" y="3057843"/>
+            <a:chExt cx="72008" cy="961222"/>
+          </a:xfrm>
+        </p:grpSpPr>
+        <p:cxnSp>
+          <p:nvCxnSpPr>
+            <p:cNvPr id="25" name="直接连接符 24">
+              <a:extLst>
+                <a:ext uri="{FF2B5EF4-FFF2-40B4-BE49-F238E27FC236}">
+                  <a16:creationId xmlns:a16="http://schemas.microsoft.com/office/drawing/2014/main" id="{F3004F92-2A42-46F0-A2B8-7DE54A66BF83}"/>
+                </a:ext>
+              </a:extLst>
+            </p:cNvPr>
+            <p:cNvCxnSpPr/>
+            <p:nvPr/>
+          </p:nvCxnSpPr>
+          <p:spPr>
+            <a:xfrm>
+              <a:off x="2987824" y="3064958"/>
+              <a:ext cx="0" cy="954107"/>
+            </a:xfrm>
+            <a:prstGeom prst="line">
+              <a:avLst/>
+            </a:prstGeom>
+            <a:ln w="25400"/>
+          </p:spPr>
+          <p:style>
+            <a:lnRef idx="1">
+              <a:schemeClr val="accent1"/>
+            </a:lnRef>
+            <a:fillRef idx="0">
+              <a:schemeClr val="accent1"/>
+            </a:fillRef>
+            <a:effectRef idx="0">
+              <a:schemeClr val="accent1"/>
+            </a:effectRef>
+            <a:fontRef idx="minor">
+              <a:schemeClr val="tx1"/>
+            </a:fontRef>
+          </p:style>
+        </p:cxnSp>
+        <p:cxnSp>
+          <p:nvCxnSpPr>
+            <p:cNvPr id="26" name="直接连接符 25">
+              <a:extLst>
+                <a:ext uri="{FF2B5EF4-FFF2-40B4-BE49-F238E27FC236}">
+                  <a16:creationId xmlns:a16="http://schemas.microsoft.com/office/drawing/2014/main" id="{5172B69E-B724-4EAB-8C70-3F0159367C38}"/>
+                </a:ext>
+              </a:extLst>
+            </p:cNvPr>
+            <p:cNvCxnSpPr/>
+            <p:nvPr/>
+          </p:nvCxnSpPr>
+          <p:spPr>
+            <a:xfrm>
+              <a:off x="3059832" y="3057843"/>
+              <a:ext cx="0" cy="954107"/>
+            </a:xfrm>
+            <a:prstGeom prst="line">
+              <a:avLst/>
+            </a:prstGeom>
+            <a:ln w="25400"/>
+          </p:spPr>
+          <p:style>
+            <a:lnRef idx="1">
+              <a:schemeClr val="accent1"/>
+            </a:lnRef>
+            <a:fillRef idx="0">
+              <a:schemeClr val="accent1"/>
+            </a:fillRef>
+            <a:effectRef idx="0">
+              <a:schemeClr val="accent1"/>
+            </a:effectRef>
+            <a:fontRef idx="minor">
+              <a:schemeClr val="tx1"/>
+            </a:fontRef>
+          </p:style>
+        </p:cxnSp>
+      </p:grpSp>
+      <p:sp>
+        <p:nvSpPr>
+          <p:cNvPr id="27" name="TextBox 4">
+            <a:extLst>
+              <a:ext uri="{FF2B5EF4-FFF2-40B4-BE49-F238E27FC236}">
+                <a16:creationId xmlns:a16="http://schemas.microsoft.com/office/drawing/2014/main" id="{AB8340E9-8C69-4523-80D5-A3F99733F8A5}"/>
+              </a:ext>
+            </a:extLst>
+          </p:cNvPr>
+          <p:cNvSpPr txBox="1"/>
+          <p:nvPr/>
+        </p:nvSpPr>
+        <p:spPr>
+          <a:xfrm>
+            <a:off x="4921205" y="3283967"/>
+            <a:ext cx="1693663" cy="523220"/>
+          </a:xfrm>
+          <a:prstGeom prst="rect">
+            <a:avLst/>
+          </a:prstGeom>
+          <a:noFill/>
+        </p:spPr>
+        <p:txBody>
+          <a:bodyPr wrap="square" rtlCol="0">
+            <a:spAutoFit/>
+          </a:bodyPr>
+          <a:lstStyle/>
+          <a:p>
+            <a:r>
+              <a:rPr lang="en-US" altLang="zh-CN" sz="2800" b="1" dirty="0"/>
+              <a:t>z = 1;</a:t>
+            </a:r>
+            <a:endParaRPr lang="zh-CN" altLang="en-US" sz="2800" b="1" dirty="0"/>
+          </a:p>
+        </p:txBody>
+      </p:sp>
+      <p:grpSp>
+        <p:nvGrpSpPr>
+          <p:cNvPr id="28" name="组合 27">
+            <a:extLst>
+              <a:ext uri="{FF2B5EF4-FFF2-40B4-BE49-F238E27FC236}">
+                <a16:creationId xmlns:a16="http://schemas.microsoft.com/office/drawing/2014/main" id="{57226E03-5E0D-406A-A033-ECB31044D578}"/>
+              </a:ext>
+            </a:extLst>
+          </p:cNvPr>
+          <p:cNvGrpSpPr/>
+          <p:nvPr/>
+        </p:nvGrpSpPr>
+        <p:grpSpPr>
+          <a:xfrm>
+            <a:off x="6215229" y="3118204"/>
+            <a:ext cx="72008" cy="961222"/>
+            <a:chOff x="2987824" y="3057843"/>
+            <a:chExt cx="72008" cy="961222"/>
+          </a:xfrm>
+        </p:grpSpPr>
+        <p:cxnSp>
+          <p:nvCxnSpPr>
+            <p:cNvPr id="29" name="直接连接符 28">
+              <a:extLst>
+                <a:ext uri="{FF2B5EF4-FFF2-40B4-BE49-F238E27FC236}">
+                  <a16:creationId xmlns:a16="http://schemas.microsoft.com/office/drawing/2014/main" id="{947BF8A6-8AA1-4E52-AEFA-3CB6AB4EECB0}"/>
+                </a:ext>
+              </a:extLst>
+            </p:cNvPr>
+            <p:cNvCxnSpPr/>
+            <p:nvPr/>
+          </p:nvCxnSpPr>
+          <p:spPr>
+            <a:xfrm>
+              <a:off x="2987824" y="3064958"/>
+              <a:ext cx="0" cy="954107"/>
+            </a:xfrm>
+            <a:prstGeom prst="line">
+              <a:avLst/>
+            </a:prstGeom>
+            <a:ln w="25400"/>
+          </p:spPr>
+          <p:style>
+            <a:lnRef idx="1">
+              <a:schemeClr val="accent1"/>
+            </a:lnRef>
+            <a:fillRef idx="0">
+              <a:schemeClr val="accent1"/>
+            </a:fillRef>
+            <a:effectRef idx="0">
+              <a:schemeClr val="accent1"/>
+            </a:effectRef>
+            <a:fontRef idx="minor">
+              <a:schemeClr val="tx1"/>
+            </a:fontRef>
+          </p:style>
+        </p:cxnSp>
+        <p:cxnSp>
+          <p:nvCxnSpPr>
+            <p:cNvPr id="30" name="直接连接符 29">
+              <a:extLst>
+                <a:ext uri="{FF2B5EF4-FFF2-40B4-BE49-F238E27FC236}">
+                  <a16:creationId xmlns:a16="http://schemas.microsoft.com/office/drawing/2014/main" id="{49F0AAD6-7A8D-4C75-BB10-45E16839CDE3}"/>
+                </a:ext>
+              </a:extLst>
+            </p:cNvPr>
+            <p:cNvCxnSpPr/>
+            <p:nvPr/>
+          </p:nvCxnSpPr>
+          <p:spPr>
+            <a:xfrm>
+              <a:off x="3059832" y="3057843"/>
+              <a:ext cx="0" cy="954107"/>
+            </a:xfrm>
+            <a:prstGeom prst="line">
+              <a:avLst/>
+            </a:prstGeom>
+            <a:ln w="25400"/>
+          </p:spPr>
+          <p:style>
+            <a:lnRef idx="1">
+              <a:schemeClr val="accent1"/>
+            </a:lnRef>
+            <a:fillRef idx="0">
+              <a:schemeClr val="accent1"/>
+            </a:fillRef>
+            <a:effectRef idx="0">
+              <a:schemeClr val="accent1"/>
+            </a:effectRef>
+            <a:fontRef idx="minor">
+              <a:schemeClr val="tx1"/>
+            </a:fontRef>
+          </p:style>
+        </p:cxnSp>
+      </p:grpSp>
+      <p:sp>
+        <p:nvSpPr>
+          <p:cNvPr id="31" name="TextBox 4">
+            <a:extLst>
+              <a:ext uri="{FF2B5EF4-FFF2-40B4-BE49-F238E27FC236}">
+                <a16:creationId xmlns:a16="http://schemas.microsoft.com/office/drawing/2014/main" id="{22D022C8-B537-42E7-81E2-171DF91EAEE3}"/>
+              </a:ext>
+            </a:extLst>
+          </p:cNvPr>
+          <p:cNvSpPr txBox="1"/>
+          <p:nvPr/>
+        </p:nvSpPr>
+        <p:spPr>
+          <a:xfrm>
+            <a:off x="6553200" y="2923830"/>
+            <a:ext cx="1693663" cy="1384995"/>
+          </a:xfrm>
+          <a:prstGeom prst="rect">
+            <a:avLst/>
+          </a:prstGeom>
+          <a:noFill/>
+        </p:spPr>
+        <p:txBody>
+          <a:bodyPr wrap="square" rtlCol="0">
+            <a:spAutoFit/>
+          </a:bodyPr>
+          <a:lstStyle/>
+          <a:p>
+            <a:r>
+              <a:rPr lang="en-US" altLang="zh-CN" sz="2800" b="1" dirty="0"/>
+              <a:t>r3 = z;</a:t>
+            </a:r>
+          </a:p>
+          <a:p>
+            <a:r>
+              <a:rPr lang="en-US" altLang="zh-CN" sz="2800" b="1" dirty="0"/>
+              <a:t>if (r3 == 1)</a:t>
+            </a:r>
+          </a:p>
+          <a:p>
+            <a:r>
+              <a:rPr lang="en-US" altLang="zh-CN" sz="2800" b="1" dirty="0"/>
+              <a:t>    x = 1;</a:t>
+            </a:r>
+            <a:endParaRPr lang="zh-CN" altLang="en-US" sz="2800" b="1" dirty="0"/>
           </a:p>
         </p:txBody>
       </p:sp>
     </p:spTree>
     <p:extLst>
       <p:ext uri="{BB962C8B-B14F-4D97-AF65-F5344CB8AC3E}">
-        <p14:creationId xmlns:p14="http://schemas.microsoft.com/office/powerpoint/2010/main" val="4176863883"/>
+        <p14:creationId xmlns:p14="http://schemas.microsoft.com/office/powerpoint/2010/main" val="2916507774"/>
       </p:ext>
     </p:extLst>
   </p:cSld>
@@ -21014,6 +21279,499 @@
           <p:cNvPr id="2" name="标题 1">
             <a:extLst>
               <a:ext uri="{FF2B5EF4-FFF2-40B4-BE49-F238E27FC236}">
+                <a16:creationId xmlns:a16="http://schemas.microsoft.com/office/drawing/2014/main" id="{8700720A-CBA7-48BA-9BB9-3C65922A7768}"/>
+              </a:ext>
+            </a:extLst>
+          </p:cNvPr>
+          <p:cNvSpPr>
+            <a:spLocks noGrp="1"/>
+          </p:cNvSpPr>
+          <p:nvPr>
+            <p:ph type="title"/>
+          </p:nvPr>
+        </p:nvSpPr>
+        <p:spPr/>
+        <p:txBody>
+          <a:bodyPr/>
+          <a:lstStyle/>
+          <a:p>
+            <a:r>
+              <a:rPr lang="en-US" altLang="zh-CN" dirty="0"/>
+              <a:t>More Examples (5)</a:t>
+            </a:r>
+            <a:endParaRPr lang="zh-CN" altLang="en-US" dirty="0"/>
+          </a:p>
+        </p:txBody>
+      </p:sp>
+      <p:sp>
+        <p:nvSpPr>
+          <p:cNvPr id="4" name="灯片编号占位符 3">
+            <a:extLst>
+              <a:ext uri="{FF2B5EF4-FFF2-40B4-BE49-F238E27FC236}">
+                <a16:creationId xmlns:a16="http://schemas.microsoft.com/office/drawing/2014/main" id="{F087744B-91D8-461B-A9DE-878B371BB1F2}"/>
+              </a:ext>
+            </a:extLst>
+          </p:cNvPr>
+          <p:cNvSpPr>
+            <a:spLocks noGrp="1"/>
+          </p:cNvSpPr>
+          <p:nvPr>
+            <p:ph type="sldNum" sz="quarter" idx="12"/>
+          </p:nvPr>
+        </p:nvSpPr>
+        <p:spPr/>
+        <p:txBody>
+          <a:bodyPr/>
+          <a:lstStyle/>
+          <a:p>
+            <a:fld id="{87C04413-18D8-412A-9316-35F3054E094E}" type="slidenum">
+              <a:rPr lang="zh-CN" altLang="en-US" smtClean="0"/>
+              <a:t>28</a:t>
+            </a:fld>
+            <a:endParaRPr lang="zh-CN" altLang="en-US"/>
+          </a:p>
+        </p:txBody>
+      </p:sp>
+      <p:sp>
+        <p:nvSpPr>
+          <p:cNvPr id="5" name="TextBox 4">
+            <a:extLst>
+              <a:ext uri="{FF2B5EF4-FFF2-40B4-BE49-F238E27FC236}">
+                <a16:creationId xmlns:a16="http://schemas.microsoft.com/office/drawing/2014/main" id="{CA2C2282-1C3C-4208-A3AB-FA747976E789}"/>
+              </a:ext>
+            </a:extLst>
+          </p:cNvPr>
+          <p:cNvSpPr txBox="1"/>
+          <p:nvPr/>
+        </p:nvSpPr>
+        <p:spPr>
+          <a:xfrm>
+            <a:off x="886768" y="2849513"/>
+            <a:ext cx="2351608" cy="1384995"/>
+          </a:xfrm>
+          <a:prstGeom prst="rect">
+            <a:avLst/>
+          </a:prstGeom>
+          <a:noFill/>
+        </p:spPr>
+        <p:txBody>
+          <a:bodyPr wrap="square" rtlCol="0">
+            <a:spAutoFit/>
+          </a:bodyPr>
+          <a:lstStyle/>
+          <a:p>
+            <a:r>
+              <a:rPr lang="en-US" altLang="zh-CN" sz="2800" b="1" dirty="0"/>
+              <a:t>r1 = x;</a:t>
+            </a:r>
+          </a:p>
+          <a:p>
+            <a:r>
+              <a:rPr lang="en-US" altLang="zh-CN" sz="2800" b="1" dirty="0"/>
+              <a:t>if (r1 != 0)</a:t>
+            </a:r>
+          </a:p>
+          <a:p>
+            <a:r>
+              <a:rPr lang="en-US" altLang="zh-CN" sz="2800" b="1" dirty="0"/>
+              <a:t>    y = 42;</a:t>
+            </a:r>
+            <a:endParaRPr lang="zh-CN" altLang="en-US" sz="2800" b="1" dirty="0"/>
+          </a:p>
+        </p:txBody>
+      </p:sp>
+      <p:sp>
+        <p:nvSpPr>
+          <p:cNvPr id="6" name="TextBox 5">
+            <a:extLst>
+              <a:ext uri="{FF2B5EF4-FFF2-40B4-BE49-F238E27FC236}">
+                <a16:creationId xmlns:a16="http://schemas.microsoft.com/office/drawing/2014/main" id="{34F30BD2-7960-4E84-9868-DFD6DD72A064}"/>
+              </a:ext>
+            </a:extLst>
+          </p:cNvPr>
+          <p:cNvSpPr txBox="1"/>
+          <p:nvPr/>
+        </p:nvSpPr>
+        <p:spPr>
+          <a:xfrm>
+            <a:off x="3310383" y="2849513"/>
+            <a:ext cx="1618704" cy="1384995"/>
+          </a:xfrm>
+          <a:prstGeom prst="rect">
+            <a:avLst/>
+          </a:prstGeom>
+          <a:noFill/>
+        </p:spPr>
+        <p:txBody>
+          <a:bodyPr wrap="square" rtlCol="0">
+            <a:spAutoFit/>
+          </a:bodyPr>
+          <a:lstStyle/>
+          <a:p>
+            <a:r>
+              <a:rPr lang="en-US" altLang="zh-CN" sz="2800" b="1" dirty="0"/>
+              <a:t>r2 = y;</a:t>
+            </a:r>
+          </a:p>
+          <a:p>
+            <a:r>
+              <a:rPr lang="en-US" altLang="zh-CN" sz="2800" b="1" dirty="0"/>
+              <a:t>if (r2 != 0)</a:t>
+            </a:r>
+          </a:p>
+          <a:p>
+            <a:r>
+              <a:rPr lang="en-US" altLang="zh-CN" sz="2800" b="1" dirty="0"/>
+              <a:t>    x = 42;</a:t>
+            </a:r>
+            <a:endParaRPr lang="zh-CN" altLang="en-US" sz="2800" b="1" dirty="0"/>
+          </a:p>
+        </p:txBody>
+      </p:sp>
+      <p:cxnSp>
+        <p:nvCxnSpPr>
+          <p:cNvPr id="7" name="直接连接符 6">
+            <a:extLst>
+              <a:ext uri="{FF2B5EF4-FFF2-40B4-BE49-F238E27FC236}">
+                <a16:creationId xmlns:a16="http://schemas.microsoft.com/office/drawing/2014/main" id="{1BF7AC6F-67CA-4408-8EC3-1C0F32D0474E}"/>
+              </a:ext>
+            </a:extLst>
+          </p:cNvPr>
+          <p:cNvCxnSpPr/>
+          <p:nvPr/>
+        </p:nvCxnSpPr>
+        <p:spPr>
+          <a:xfrm>
+            <a:off x="2987824" y="3064958"/>
+            <a:ext cx="0" cy="954107"/>
+          </a:xfrm>
+          <a:prstGeom prst="line">
+            <a:avLst/>
+          </a:prstGeom>
+          <a:ln w="25400"/>
+        </p:spPr>
+        <p:style>
+          <a:lnRef idx="1">
+            <a:schemeClr val="accent1"/>
+          </a:lnRef>
+          <a:fillRef idx="0">
+            <a:schemeClr val="accent1"/>
+          </a:fillRef>
+          <a:effectRef idx="0">
+            <a:schemeClr val="accent1"/>
+          </a:effectRef>
+          <a:fontRef idx="minor">
+            <a:schemeClr val="tx1"/>
+          </a:fontRef>
+        </p:style>
+      </p:cxnSp>
+      <p:cxnSp>
+        <p:nvCxnSpPr>
+          <p:cNvPr id="8" name="直接连接符 7">
+            <a:extLst>
+              <a:ext uri="{FF2B5EF4-FFF2-40B4-BE49-F238E27FC236}">
+                <a16:creationId xmlns:a16="http://schemas.microsoft.com/office/drawing/2014/main" id="{5AEB5D75-8C7C-477F-8D64-A16F035786CC}"/>
+              </a:ext>
+            </a:extLst>
+          </p:cNvPr>
+          <p:cNvCxnSpPr/>
+          <p:nvPr/>
+        </p:nvCxnSpPr>
+        <p:spPr>
+          <a:xfrm>
+            <a:off x="3059832" y="3057843"/>
+            <a:ext cx="0" cy="954107"/>
+          </a:xfrm>
+          <a:prstGeom prst="line">
+            <a:avLst/>
+          </a:prstGeom>
+          <a:ln w="25400"/>
+        </p:spPr>
+        <p:style>
+          <a:lnRef idx="1">
+            <a:schemeClr val="accent1"/>
+          </a:lnRef>
+          <a:fillRef idx="0">
+            <a:schemeClr val="accent1"/>
+          </a:fillRef>
+          <a:effectRef idx="0">
+            <a:schemeClr val="accent1"/>
+          </a:effectRef>
+          <a:fontRef idx="minor">
+            <a:schemeClr val="tx1"/>
+          </a:fontRef>
+        </p:style>
+      </p:cxnSp>
+      <p:sp>
+        <p:nvSpPr>
+          <p:cNvPr id="9" name="TextBox 10">
+            <a:extLst>
+              <a:ext uri="{FF2B5EF4-FFF2-40B4-BE49-F238E27FC236}">
+                <a16:creationId xmlns:a16="http://schemas.microsoft.com/office/drawing/2014/main" id="{FE502D40-4180-4C4D-9246-E939E77980B1}"/>
+              </a:ext>
+            </a:extLst>
+          </p:cNvPr>
+          <p:cNvSpPr txBox="1"/>
+          <p:nvPr/>
+        </p:nvSpPr>
+        <p:spPr>
+          <a:xfrm>
+            <a:off x="1318816" y="2165291"/>
+            <a:ext cx="3692850" cy="523220"/>
+          </a:xfrm>
+          <a:prstGeom prst="rect">
+            <a:avLst/>
+          </a:prstGeom>
+          <a:noFill/>
+        </p:spPr>
+        <p:txBody>
+          <a:bodyPr wrap="square" rtlCol="0">
+            <a:spAutoFit/>
+          </a:bodyPr>
+          <a:lstStyle/>
+          <a:p>
+            <a:r>
+              <a:rPr lang="en-US" altLang="zh-CN" sz="2800" b="1" dirty="0"/>
+              <a:t>Initially:  x = y = 0</a:t>
+            </a:r>
+            <a:endParaRPr lang="zh-CN" altLang="en-US" sz="2800" b="1" dirty="0"/>
+          </a:p>
+        </p:txBody>
+      </p:sp>
+      <p:sp>
+        <p:nvSpPr>
+          <p:cNvPr id="10" name="TextBox 9">
+            <a:extLst>
+              <a:ext uri="{FF2B5EF4-FFF2-40B4-BE49-F238E27FC236}">
+                <a16:creationId xmlns:a16="http://schemas.microsoft.com/office/drawing/2014/main" id="{83C4F6A5-ED1E-4453-BBDB-15B383FDF4AE}"/>
+              </a:ext>
+            </a:extLst>
+          </p:cNvPr>
+          <p:cNvSpPr txBox="1"/>
+          <p:nvPr/>
+        </p:nvSpPr>
+        <p:spPr>
+          <a:xfrm>
+            <a:off x="1907704" y="4449953"/>
+            <a:ext cx="2160240" cy="523220"/>
+          </a:xfrm>
+          <a:prstGeom prst="rect">
+            <a:avLst/>
+          </a:prstGeom>
+          <a:noFill/>
+        </p:spPr>
+        <p:txBody>
+          <a:bodyPr wrap="square" rtlCol="0">
+            <a:spAutoFit/>
+          </a:bodyPr>
+          <a:lstStyle/>
+          <a:p>
+            <a:r>
+              <a:rPr lang="en-US" altLang="zh-CN" sz="2800" b="1" i="1" dirty="0">
+                <a:solidFill>
+                  <a:srgbClr val="C00000"/>
+                </a:solidFill>
+              </a:rPr>
+              <a:t>r1 = r2 = 42?</a:t>
+            </a:r>
+            <a:endParaRPr lang="zh-CN" altLang="en-US" sz="2800" b="1" i="1" dirty="0">
+              <a:solidFill>
+                <a:srgbClr val="C00000"/>
+              </a:solidFill>
+            </a:endParaRPr>
+          </a:p>
+        </p:txBody>
+      </p:sp>
+      <p:sp>
+        <p:nvSpPr>
+          <p:cNvPr id="11" name="TextBox 57">
+            <a:extLst>
+              <a:ext uri="{FF2B5EF4-FFF2-40B4-BE49-F238E27FC236}">
+                <a16:creationId xmlns:a16="http://schemas.microsoft.com/office/drawing/2014/main" id="{689C2A8B-5B68-4660-96B9-0BE13473AE0B}"/>
+              </a:ext>
+            </a:extLst>
+          </p:cNvPr>
+          <p:cNvSpPr txBox="1"/>
+          <p:nvPr/>
+        </p:nvSpPr>
+        <p:spPr>
+          <a:xfrm>
+            <a:off x="1619672" y="5327889"/>
+            <a:ext cx="2952328" cy="523220"/>
+          </a:xfrm>
+          <a:prstGeom prst="rect">
+            <a:avLst/>
+          </a:prstGeom>
+          <a:noFill/>
+        </p:spPr>
+        <p:txBody>
+          <a:bodyPr wrap="square" rtlCol="0">
+            <a:spAutoFit/>
+          </a:bodyPr>
+          <a:lstStyle/>
+          <a:p>
+            <a:r>
+              <a:rPr lang="en-US" altLang="zh-CN" sz="2800" dirty="0"/>
+              <a:t>Allowed in HMM!</a:t>
+            </a:r>
+            <a:endParaRPr lang="zh-CN" altLang="en-US" sz="2800" dirty="0"/>
+          </a:p>
+        </p:txBody>
+      </p:sp>
+      <p:sp>
+        <p:nvSpPr>
+          <p:cNvPr id="12" name="文本框 11">
+            <a:extLst>
+              <a:ext uri="{FF2B5EF4-FFF2-40B4-BE49-F238E27FC236}">
+                <a16:creationId xmlns:a16="http://schemas.microsoft.com/office/drawing/2014/main" id="{47E20FE5-A323-4506-B922-13AAA89A1229}"/>
+              </a:ext>
+            </a:extLst>
+          </p:cNvPr>
+          <p:cNvSpPr txBox="1"/>
+          <p:nvPr/>
+        </p:nvSpPr>
+        <p:spPr>
+          <a:xfrm>
+            <a:off x="357732" y="1363360"/>
+            <a:ext cx="4657237" cy="461665"/>
+          </a:xfrm>
+          <a:prstGeom prst="rect">
+            <a:avLst/>
+          </a:prstGeom>
+          <a:solidFill>
+            <a:schemeClr val="accent6">
+              <a:lumMod val="20000"/>
+              <a:lumOff val="80000"/>
+            </a:schemeClr>
+          </a:solidFill>
+        </p:spPr>
+        <p:txBody>
+          <a:bodyPr wrap="none" rtlCol="0">
+            <a:spAutoFit/>
+          </a:bodyPr>
+          <a:lstStyle/>
+          <a:p>
+            <a:r>
+              <a:rPr lang="en-US" altLang="zh-CN" sz="2400" dirty="0"/>
+              <a:t>HMM does not have DRF-guarantee</a:t>
+            </a:r>
+            <a:endParaRPr lang="zh-CN" altLang="en-US" sz="2400" dirty="0"/>
+          </a:p>
+        </p:txBody>
+      </p:sp>
+    </p:spTree>
+    <p:extLst>
+      <p:ext uri="{BB962C8B-B14F-4D97-AF65-F5344CB8AC3E}">
+        <p14:creationId xmlns:p14="http://schemas.microsoft.com/office/powerpoint/2010/main" val="4176863883"/>
+      </p:ext>
+    </p:extLst>
+  </p:cSld>
+  <p:clrMapOvr>
+    <a:masterClrMapping/>
+  </p:clrMapOvr>
+  <p:timing>
+    <p:tnLst>
+      <p:par>
+        <p:cTn id="1" dur="indefinite" restart="never" nodeType="tmRoot">
+          <p:childTnLst>
+            <p:seq concurrent="1" nextAc="seek">
+              <p:cTn id="2" dur="indefinite" nodeType="mainSeq">
+                <p:childTnLst>
+                  <p:par>
+                    <p:cTn id="3" fill="hold">
+                      <p:stCondLst>
+                        <p:cond delay="indefinite"/>
+                      </p:stCondLst>
+                      <p:childTnLst>
+                        <p:par>
+                          <p:cTn id="4" fill="hold">
+                            <p:stCondLst>
+                              <p:cond delay="0"/>
+                            </p:stCondLst>
+                            <p:childTnLst>
+                              <p:par>
+                                <p:cTn id="5" presetID="1" presetClass="entr" presetSubtype="0" fill="hold" grpId="0" nodeType="clickEffect">
+                                  <p:stCondLst>
+                                    <p:cond delay="0"/>
+                                  </p:stCondLst>
+                                  <p:childTnLst>
+                                    <p:set>
+                                      <p:cBhvr>
+                                        <p:cTn id="6" dur="1" fill="hold">
+                                          <p:stCondLst>
+                                            <p:cond delay="0"/>
+                                          </p:stCondLst>
+                                        </p:cTn>
+                                        <p:tgtEl>
+                                          <p:spTgt spid="11"/>
+                                        </p:tgtEl>
+                                        <p:attrNameLst>
+                                          <p:attrName>style.visibility</p:attrName>
+                                        </p:attrNameLst>
+                                      </p:cBhvr>
+                                      <p:to>
+                                        <p:strVal val="visible"/>
+                                      </p:to>
+                                    </p:set>
+                                  </p:childTnLst>
+                                </p:cTn>
+                              </p:par>
+                            </p:childTnLst>
+                          </p:cTn>
+                        </p:par>
+                      </p:childTnLst>
+                    </p:cTn>
+                  </p:par>
+                </p:childTnLst>
+              </p:cTn>
+              <p:prevCondLst>
+                <p:cond evt="onPrev" delay="0">
+                  <p:tgtEl>
+                    <p:sldTgt/>
+                  </p:tgtEl>
+                </p:cond>
+              </p:prevCondLst>
+              <p:nextCondLst>
+                <p:cond evt="onNext" delay="0">
+                  <p:tgtEl>
+                    <p:sldTgt/>
+                  </p:tgtEl>
+                </p:cond>
+              </p:nextCondLst>
+            </p:seq>
+          </p:childTnLst>
+        </p:cTn>
+      </p:par>
+    </p:tnLst>
+    <p:bldLst>
+      <p:bldP spid="11" grpId="0"/>
+    </p:bldLst>
+  </p:timing>
+</p:sld>
+</file>
+
+<file path=ppt/slides/slide29.xml><?xml version="1.0" encoding="utf-8"?>
+<p:sld xmlns:a="http://schemas.openxmlformats.org/drawingml/2006/main" xmlns:r="http://schemas.openxmlformats.org/officeDocument/2006/relationships" xmlns:p="http://schemas.openxmlformats.org/presentationml/2006/main">
+  <p:cSld>
+    <p:spTree>
+      <p:nvGrpSpPr>
+        <p:cNvPr id="1" name=""/>
+        <p:cNvGrpSpPr/>
+        <p:nvPr/>
+      </p:nvGrpSpPr>
+      <p:grpSpPr>
+        <a:xfrm>
+          <a:off x="0" y="0"/>
+          <a:ext cx="0" cy="0"/>
+          <a:chOff x="0" y="0"/>
+          <a:chExt cx="0" cy="0"/>
+        </a:xfrm>
+      </p:grpSpPr>
+      <p:sp>
+        <p:nvSpPr>
+          <p:cNvPr id="2" name="标题 1">
+            <a:extLst>
+              <a:ext uri="{FF2B5EF4-FFF2-40B4-BE49-F238E27FC236}">
                 <a16:creationId xmlns:a16="http://schemas.microsoft.com/office/drawing/2014/main" id="{5800202D-BCCF-4EAC-9F66-C03848FFDA72}"/>
               </a:ext>
             </a:extLst>
@@ -21032,7 +21790,7 @@
           <a:p>
             <a:r>
               <a:rPr lang="en-US" altLang="zh-CN" dirty="0"/>
-              <a:t>More Examples (5)</a:t>
+              <a:t>More Examples (6)</a:t>
             </a:r>
             <a:endParaRPr lang="zh-CN" altLang="en-US" dirty="0"/>
           </a:p>
@@ -21061,7 +21819,7 @@
           <a:p>
             <a:fld id="{87C04413-18D8-412A-9316-35F3054E094E}" type="slidenum">
               <a:rPr lang="zh-CN" altLang="en-US" smtClean="0"/>
-              <a:t>28</a:t>
+              <a:t>29</a:t>
             </a:fld>
             <a:endParaRPr lang="zh-CN" altLang="en-US"/>
           </a:p>
@@ -21602,151 +22360,6 @@
 </p:sld>
 </file>
 
-<file path=ppt/slides/slide29.xml><?xml version="1.0" encoding="utf-8"?>
-<p:sld xmlns:a="http://schemas.openxmlformats.org/drawingml/2006/main" xmlns:r="http://schemas.openxmlformats.org/officeDocument/2006/relationships" xmlns:p="http://schemas.openxmlformats.org/presentationml/2006/main">
-  <p:cSld>
-    <p:spTree>
-      <p:nvGrpSpPr>
-        <p:cNvPr id="1" name=""/>
-        <p:cNvGrpSpPr/>
-        <p:nvPr/>
-      </p:nvGrpSpPr>
-      <p:grpSpPr>
-        <a:xfrm>
-          <a:off x="0" y="0"/>
-          <a:ext cx="0" cy="0"/>
-          <a:chOff x="0" y="0"/>
-          <a:chExt cx="0" cy="0"/>
-        </a:xfrm>
-      </p:grpSpPr>
-      <p:sp>
-        <p:nvSpPr>
-          <p:cNvPr id="2" name="标题 1">
-            <a:extLst>
-              <a:ext uri="{FF2B5EF4-FFF2-40B4-BE49-F238E27FC236}">
-                <a16:creationId xmlns:a16="http://schemas.microsoft.com/office/drawing/2014/main" id="{7801990F-0642-4C69-AA98-59DE099A4AE2}"/>
-              </a:ext>
-            </a:extLst>
-          </p:cNvPr>
-          <p:cNvSpPr>
-            <a:spLocks noGrp="1"/>
-          </p:cNvSpPr>
-          <p:nvPr>
-            <p:ph type="title"/>
-          </p:nvPr>
-        </p:nvSpPr>
-        <p:spPr/>
-        <p:txBody>
-          <a:bodyPr/>
-          <a:lstStyle/>
-          <a:p>
-            <a:r>
-              <a:rPr lang="en-US" altLang="zh-CN" dirty="0"/>
-              <a:t>Summary</a:t>
-            </a:r>
-            <a:endParaRPr lang="zh-CN" altLang="en-US" dirty="0"/>
-          </a:p>
-        </p:txBody>
-      </p:sp>
-      <p:sp>
-        <p:nvSpPr>
-          <p:cNvPr id="4" name="内容占位符 3">
-            <a:extLst>
-              <a:ext uri="{FF2B5EF4-FFF2-40B4-BE49-F238E27FC236}">
-                <a16:creationId xmlns:a16="http://schemas.microsoft.com/office/drawing/2014/main" id="{A727A752-3A1B-4872-AA77-01594F18A3DA}"/>
-              </a:ext>
-            </a:extLst>
-          </p:cNvPr>
-          <p:cNvSpPr>
-            <a:spLocks noGrp="1"/>
-          </p:cNvSpPr>
-          <p:nvPr>
-            <p:ph idx="1"/>
-          </p:nvPr>
-        </p:nvSpPr>
-        <p:spPr/>
-        <p:txBody>
-          <a:bodyPr/>
-          <a:lstStyle/>
-          <a:p>
-            <a:r>
-              <a:rPr lang="en-US" altLang="zh-CN" dirty="0"/>
-              <a:t>Why need weak memory models</a:t>
-            </a:r>
-          </a:p>
-          <a:p>
-            <a:endParaRPr lang="en-US" altLang="zh-CN" dirty="0"/>
-          </a:p>
-          <a:p>
-            <a:r>
-              <a:rPr lang="en-US" altLang="zh-CN"/>
-              <a:t>Design criteria of weak memory models</a:t>
-            </a:r>
-            <a:endParaRPr lang="en-US" altLang="zh-CN" dirty="0"/>
-          </a:p>
-          <a:p>
-            <a:endParaRPr lang="en-US" altLang="zh-CN" dirty="0"/>
-          </a:p>
-          <a:p>
-            <a:r>
-              <a:rPr lang="en-US" altLang="zh-CN" dirty="0"/>
-              <a:t>The happens-before memory model</a:t>
-            </a:r>
-          </a:p>
-          <a:p>
-            <a:endParaRPr lang="en-US" altLang="zh-CN" dirty="0"/>
-          </a:p>
-          <a:p>
-            <a:r>
-              <a:rPr lang="en-US" altLang="zh-CN" dirty="0"/>
-              <a:t>Out-of-thin-air read</a:t>
-            </a:r>
-            <a:endParaRPr lang="zh-CN" altLang="en-US" dirty="0"/>
-          </a:p>
-        </p:txBody>
-      </p:sp>
-      <p:sp>
-        <p:nvSpPr>
-          <p:cNvPr id="3" name="灯片编号占位符 2">
-            <a:extLst>
-              <a:ext uri="{FF2B5EF4-FFF2-40B4-BE49-F238E27FC236}">
-                <a16:creationId xmlns:a16="http://schemas.microsoft.com/office/drawing/2014/main" id="{61CECAAA-0D9D-40EC-9081-87EA8D05BEC8}"/>
-              </a:ext>
-            </a:extLst>
-          </p:cNvPr>
-          <p:cNvSpPr>
-            <a:spLocks noGrp="1"/>
-          </p:cNvSpPr>
-          <p:nvPr>
-            <p:ph type="sldNum" sz="quarter" idx="12"/>
-          </p:nvPr>
-        </p:nvSpPr>
-        <p:spPr/>
-        <p:txBody>
-          <a:bodyPr/>
-          <a:lstStyle/>
-          <a:p>
-            <a:fld id="{87C04413-18D8-412A-9316-35F3054E094E}" type="slidenum">
-              <a:rPr lang="zh-CN" altLang="en-US" smtClean="0"/>
-              <a:t>29</a:t>
-            </a:fld>
-            <a:endParaRPr lang="zh-CN" altLang="en-US"/>
-          </a:p>
-        </p:txBody>
-      </p:sp>
-    </p:spTree>
-    <p:extLst>
-      <p:ext uri="{BB962C8B-B14F-4D97-AF65-F5344CB8AC3E}">
-        <p14:creationId xmlns:p14="http://schemas.microsoft.com/office/powerpoint/2010/main" val="1508305564"/>
-      </p:ext>
-    </p:extLst>
-  </p:cSld>
-  <p:clrMapOvr>
-    <a:masterClrMapping/>
-  </p:clrMapOvr>
-</p:sld>
-</file>
-
 <file path=ppt/slides/slide3.xml><?xml version="1.0" encoding="utf-8"?>
 <p:sld xmlns:a="http://schemas.openxmlformats.org/drawingml/2006/main" xmlns:r="http://schemas.openxmlformats.org/officeDocument/2006/relationships" xmlns:p="http://schemas.openxmlformats.org/presentationml/2006/main">
   <p:cSld>
@@ -22466,6 +23079,151 @@
     <p:extLst>
       <p:ext uri="{BB962C8B-B14F-4D97-AF65-F5344CB8AC3E}">
         <p14:creationId xmlns:p14="http://schemas.microsoft.com/office/powerpoint/2010/main" val="2152739033"/>
+      </p:ext>
+    </p:extLst>
+  </p:cSld>
+  <p:clrMapOvr>
+    <a:masterClrMapping/>
+  </p:clrMapOvr>
+</p:sld>
+</file>
+
+<file path=ppt/slides/slide30.xml><?xml version="1.0" encoding="utf-8"?>
+<p:sld xmlns:a="http://schemas.openxmlformats.org/drawingml/2006/main" xmlns:r="http://schemas.openxmlformats.org/officeDocument/2006/relationships" xmlns:p="http://schemas.openxmlformats.org/presentationml/2006/main">
+  <p:cSld>
+    <p:spTree>
+      <p:nvGrpSpPr>
+        <p:cNvPr id="1" name=""/>
+        <p:cNvGrpSpPr/>
+        <p:nvPr/>
+      </p:nvGrpSpPr>
+      <p:grpSpPr>
+        <a:xfrm>
+          <a:off x="0" y="0"/>
+          <a:ext cx="0" cy="0"/>
+          <a:chOff x="0" y="0"/>
+          <a:chExt cx="0" cy="0"/>
+        </a:xfrm>
+      </p:grpSpPr>
+      <p:sp>
+        <p:nvSpPr>
+          <p:cNvPr id="2" name="标题 1">
+            <a:extLst>
+              <a:ext uri="{FF2B5EF4-FFF2-40B4-BE49-F238E27FC236}">
+                <a16:creationId xmlns:a16="http://schemas.microsoft.com/office/drawing/2014/main" id="{7801990F-0642-4C69-AA98-59DE099A4AE2}"/>
+              </a:ext>
+            </a:extLst>
+          </p:cNvPr>
+          <p:cNvSpPr>
+            <a:spLocks noGrp="1"/>
+          </p:cNvSpPr>
+          <p:nvPr>
+            <p:ph type="title"/>
+          </p:nvPr>
+        </p:nvSpPr>
+        <p:spPr/>
+        <p:txBody>
+          <a:bodyPr/>
+          <a:lstStyle/>
+          <a:p>
+            <a:r>
+              <a:rPr lang="en-US" altLang="zh-CN" dirty="0"/>
+              <a:t>Summary</a:t>
+            </a:r>
+            <a:endParaRPr lang="zh-CN" altLang="en-US" dirty="0"/>
+          </a:p>
+        </p:txBody>
+      </p:sp>
+      <p:sp>
+        <p:nvSpPr>
+          <p:cNvPr id="4" name="内容占位符 3">
+            <a:extLst>
+              <a:ext uri="{FF2B5EF4-FFF2-40B4-BE49-F238E27FC236}">
+                <a16:creationId xmlns:a16="http://schemas.microsoft.com/office/drawing/2014/main" id="{A727A752-3A1B-4872-AA77-01594F18A3DA}"/>
+              </a:ext>
+            </a:extLst>
+          </p:cNvPr>
+          <p:cNvSpPr>
+            <a:spLocks noGrp="1"/>
+          </p:cNvSpPr>
+          <p:nvPr>
+            <p:ph idx="1"/>
+          </p:nvPr>
+        </p:nvSpPr>
+        <p:spPr/>
+        <p:txBody>
+          <a:bodyPr/>
+          <a:lstStyle/>
+          <a:p>
+            <a:r>
+              <a:rPr lang="en-US" altLang="zh-CN" dirty="0"/>
+              <a:t>Why need weak memory models</a:t>
+            </a:r>
+          </a:p>
+          <a:p>
+            <a:endParaRPr lang="en-US" altLang="zh-CN" dirty="0"/>
+          </a:p>
+          <a:p>
+            <a:r>
+              <a:rPr lang="en-US" altLang="zh-CN"/>
+              <a:t>Design criteria of weak memory models</a:t>
+            </a:r>
+            <a:endParaRPr lang="en-US" altLang="zh-CN" dirty="0"/>
+          </a:p>
+          <a:p>
+            <a:endParaRPr lang="en-US" altLang="zh-CN" dirty="0"/>
+          </a:p>
+          <a:p>
+            <a:r>
+              <a:rPr lang="en-US" altLang="zh-CN" dirty="0"/>
+              <a:t>The happens-before memory model</a:t>
+            </a:r>
+          </a:p>
+          <a:p>
+            <a:endParaRPr lang="en-US" altLang="zh-CN" dirty="0"/>
+          </a:p>
+          <a:p>
+            <a:r>
+              <a:rPr lang="en-US" altLang="zh-CN" dirty="0"/>
+              <a:t>Out-of-thin-air read</a:t>
+            </a:r>
+            <a:endParaRPr lang="zh-CN" altLang="en-US" dirty="0"/>
+          </a:p>
+        </p:txBody>
+      </p:sp>
+      <p:sp>
+        <p:nvSpPr>
+          <p:cNvPr id="3" name="灯片编号占位符 2">
+            <a:extLst>
+              <a:ext uri="{FF2B5EF4-FFF2-40B4-BE49-F238E27FC236}">
+                <a16:creationId xmlns:a16="http://schemas.microsoft.com/office/drawing/2014/main" id="{61CECAAA-0D9D-40EC-9081-87EA8D05BEC8}"/>
+              </a:ext>
+            </a:extLst>
+          </p:cNvPr>
+          <p:cNvSpPr>
+            <a:spLocks noGrp="1"/>
+          </p:cNvSpPr>
+          <p:nvPr>
+            <p:ph type="sldNum" sz="quarter" idx="12"/>
+          </p:nvPr>
+        </p:nvSpPr>
+        <p:spPr/>
+        <p:txBody>
+          <a:bodyPr/>
+          <a:lstStyle/>
+          <a:p>
+            <a:fld id="{87C04413-18D8-412A-9316-35F3054E094E}" type="slidenum">
+              <a:rPr lang="zh-CN" altLang="en-US" smtClean="0"/>
+              <a:t>30</a:t>
+            </a:fld>
+            <a:endParaRPr lang="zh-CN" altLang="en-US"/>
+          </a:p>
+        </p:txBody>
+      </p:sp>
+    </p:spTree>
+    <p:extLst>
+      <p:ext uri="{BB962C8B-B14F-4D97-AF65-F5344CB8AC3E}">
+        <p14:creationId xmlns:p14="http://schemas.microsoft.com/office/powerpoint/2010/main" val="1508305564"/>
       </p:ext>
     </p:extLst>
   </p:cSld>
